--- a/사용자 설명서.pptx
+++ b/사용자 설명서.pptx
@@ -5,7 +5,7 @@
     <p:sldMasterId id="2147483660" r:id="rId1"/>
   </p:sldMasterIdLst>
   <p:notesMasterIdLst>
-    <p:notesMasterId r:id="rId30"/>
+    <p:notesMasterId r:id="rId32"/>
   </p:notesMasterIdLst>
   <p:sldIdLst>
     <p:sldId id="256" r:id="rId2"/>
@@ -36,6 +36,8 @@
     <p:sldId id="282" r:id="rId27"/>
     <p:sldId id="295" r:id="rId28"/>
     <p:sldId id="262" r:id="rId29"/>
+    <p:sldId id="296" r:id="rId30"/>
+    <p:sldId id="297" r:id="rId31"/>
   </p:sldIdLst>
   <p:sldSz cx="6858000" cy="9906000" type="A4"/>
   <p:notesSz cx="6858000" cy="9144000"/>
@@ -235,7 +237,7 @@
           <a:p>
             <a:fld id="{E44C0CE8-72A0-4F31-B67E-F377F1F4B71A}" type="datetimeFigureOut">
               <a:rPr lang="ko-KR" altLang="en-US" smtClean="0"/>
-              <a:t>2022-02-20</a:t>
+              <a:t>2022-03-05</a:t>
             </a:fld>
             <a:endParaRPr lang="ko-KR" altLang="en-US"/>
           </a:p>
@@ -9506,7 +9508,16 @@
               </a:rPr>
               <a:t>문의 방법</a:t>
             </a:r>
-            <a:endParaRPr lang="ko-KR" altLang="en-US" dirty="0"/>
+            <a:endParaRPr lang="en-US" altLang="ko-KR" dirty="0"/>
+          </a:p>
+          <a:p>
+            <a:endParaRPr lang="en-US" altLang="ko-KR" dirty="0"/>
+          </a:p>
+          <a:p>
+            <a:r>
+              <a:rPr lang="ko-KR" altLang="en-US" dirty="0"/>
+              <a:t>각종 오류</a:t>
+            </a:r>
           </a:p>
         </p:txBody>
       </p:sp>
@@ -14035,7 +14046,7 @@
         </p:nvSpPr>
         <p:spPr>
           <a:xfrm>
-            <a:off x="1629757" y="6723310"/>
+            <a:off x="1629756" y="6586743"/>
             <a:ext cx="3598486" cy="338554"/>
           </a:xfrm>
           <a:prstGeom prst="rect">
@@ -14068,10 +14079,267 @@
           </a:p>
         </p:txBody>
       </p:sp>
+      <p:sp>
+        <p:nvSpPr>
+          <p:cNvPr id="11" name="TextBox 10">
+            <a:extLst>
+              <a:ext uri="{FF2B5EF4-FFF2-40B4-BE49-F238E27FC236}">
+                <a16:creationId xmlns:a16="http://schemas.microsoft.com/office/drawing/2014/main" id="{0293C1AF-E89C-46D4-AE76-FCB7822CEF07}"/>
+              </a:ext>
+            </a:extLst>
+          </p:cNvPr>
+          <p:cNvSpPr txBox="1"/>
+          <p:nvPr/>
+        </p:nvSpPr>
+        <p:spPr>
+          <a:xfrm>
+            <a:off x="2479860" y="6162759"/>
+            <a:ext cx="1898277" cy="338554"/>
+          </a:xfrm>
+          <a:prstGeom prst="rect">
+            <a:avLst/>
+          </a:prstGeom>
+          <a:noFill/>
+        </p:spPr>
+        <p:txBody>
+          <a:bodyPr wrap="none" rtlCol="0">
+            <a:spAutoFit/>
+          </a:bodyPr>
+          <a:lstStyle/>
+          <a:p>
+            <a:pPr algn="l"/>
+            <a:r>
+              <a:rPr lang="ko-KR" altLang="en-US" sz="1600" dirty="0">
+                <a:latin typeface="+mn-ea"/>
+                <a:hlinkClick r:id="rId4"/>
+              </a:rPr>
+              <a:t>카카오톡 오픈톡방</a:t>
+            </a:r>
+            <a:endParaRPr lang="en-US" altLang="ko-KR" sz="1600" dirty="0">
+              <a:latin typeface="+mn-ea"/>
+            </a:endParaRPr>
+          </a:p>
+        </p:txBody>
+      </p:sp>
     </p:spTree>
     <p:extLst>
       <p:ext uri="{BB962C8B-B14F-4D97-AF65-F5344CB8AC3E}">
         <p14:creationId xmlns:p14="http://schemas.microsoft.com/office/powerpoint/2010/main" val="1173678610"/>
+      </p:ext>
+    </p:extLst>
+  </p:cSld>
+  <p:clrMapOvr>
+    <a:masterClrMapping/>
+  </p:clrMapOvr>
+</p:sld>
+</file>
+
+<file path=ppt/slides/slide29.xml><?xml version="1.0" encoding="utf-8"?>
+<p:sld xmlns:a="http://schemas.openxmlformats.org/drawingml/2006/main" xmlns:r="http://schemas.openxmlformats.org/officeDocument/2006/relationships" xmlns:p="http://schemas.openxmlformats.org/presentationml/2006/main">
+  <p:cSld>
+    <p:bg>
+      <p:bgPr>
+        <a:solidFill>
+          <a:schemeClr val="bg1"/>
+        </a:solidFill>
+        <a:effectLst/>
+      </p:bgPr>
+    </p:bg>
+    <p:spTree>
+      <p:nvGrpSpPr>
+        <p:cNvPr id="1" name=""/>
+        <p:cNvGrpSpPr/>
+        <p:nvPr/>
+      </p:nvGrpSpPr>
+      <p:grpSpPr>
+        <a:xfrm>
+          <a:off x="0" y="0"/>
+          <a:ext cx="0" cy="0"/>
+          <a:chOff x="0" y="0"/>
+          <a:chExt cx="0" cy="0"/>
+        </a:xfrm>
+      </p:grpSpPr>
+      <p:sp>
+        <p:nvSpPr>
+          <p:cNvPr id="9" name="Rectangle 8">
+            <a:extLst>
+              <a:ext uri="{FF2B5EF4-FFF2-40B4-BE49-F238E27FC236}">
+                <a16:creationId xmlns:a16="http://schemas.microsoft.com/office/drawing/2014/main" id="{6753252F-4873-4F63-801D-CC719279A7D5}"/>
+              </a:ext>
+              <a:ext uri="{C183D7F6-B498-43B3-948B-1728B52AA6E4}">
+                <adec:decorative xmlns:adec="http://schemas.microsoft.com/office/drawing/2017/decorative" val="1"/>
+              </a:ext>
+            </a:extLst>
+          </p:cNvPr>
+          <p:cNvSpPr>
+            <a:spLocks noGrp="1" noRot="1" noChangeAspect="1" noMove="1" noResize="1" noEditPoints="1" noAdjustHandles="1" noChangeArrowheads="1" noChangeShapeType="1" noTextEdit="1"/>
+          </p:cNvSpPr>
+          <p:nvPr>
+            <p:extLst>
+              <p:ext uri="{386F3935-93C4-4BCD-93E2-E3B085C9AB24}">
+                <p16:designElem xmlns:p16="http://schemas.microsoft.com/office/powerpoint/2015/main" val="1"/>
+              </p:ext>
+            </p:extLst>
+          </p:nvPr>
+        </p:nvSpPr>
+        <p:spPr>
+          <a:xfrm>
+            <a:off x="0" y="0"/>
+            <a:ext cx="6858000" cy="9906000"/>
+          </a:xfrm>
+          <a:prstGeom prst="rect">
+            <a:avLst/>
+          </a:prstGeom>
+          <a:solidFill>
+            <a:srgbClr val="FFFFFF"/>
+          </a:solidFill>
+          <a:ln>
+            <a:noFill/>
+          </a:ln>
+        </p:spPr>
+        <p:style>
+          <a:lnRef idx="2">
+            <a:schemeClr val="accent1">
+              <a:shade val="50000"/>
+            </a:schemeClr>
+          </a:lnRef>
+          <a:fillRef idx="1">
+            <a:schemeClr val="accent1"/>
+          </a:fillRef>
+          <a:effectRef idx="0">
+            <a:schemeClr val="accent1"/>
+          </a:effectRef>
+          <a:fontRef idx="minor">
+            <a:schemeClr val="lt1"/>
+          </a:fontRef>
+        </p:style>
+        <p:txBody>
+          <a:bodyPr rtlCol="0" anchor="ctr"/>
+          <a:lstStyle/>
+          <a:p>
+            <a:pPr algn="ctr"/>
+            <a:endParaRPr lang="en-US" sz="1013"/>
+          </a:p>
+        </p:txBody>
+      </p:sp>
+      <p:sp>
+        <p:nvSpPr>
+          <p:cNvPr id="11" name="Rectangle 10">
+            <a:extLst>
+              <a:ext uri="{FF2B5EF4-FFF2-40B4-BE49-F238E27FC236}">
+                <a16:creationId xmlns:a16="http://schemas.microsoft.com/office/drawing/2014/main" id="{047C8CCB-F95D-4249-92DD-651249D3535A}"/>
+              </a:ext>
+              <a:ext uri="{C183D7F6-B498-43B3-948B-1728B52AA6E4}">
+                <adec:decorative xmlns:adec="http://schemas.microsoft.com/office/drawing/2017/decorative" val="1"/>
+              </a:ext>
+            </a:extLst>
+          </p:cNvPr>
+          <p:cNvSpPr>
+            <a:spLocks noGrp="1" noRot="1" noChangeAspect="1" noMove="1" noResize="1" noEditPoints="1" noAdjustHandles="1" noChangeArrowheads="1" noChangeShapeType="1" noTextEdit="1"/>
+          </p:cNvSpPr>
+          <p:nvPr>
+            <p:extLst>
+              <p:ext uri="{386F3935-93C4-4BCD-93E2-E3B085C9AB24}">
+                <p16:designElem xmlns:p16="http://schemas.microsoft.com/office/powerpoint/2015/main" val="1"/>
+              </p:ext>
+            </p:extLst>
+          </p:nvPr>
+        </p:nvSpPr>
+        <p:spPr>
+          <a:xfrm>
+            <a:off x="-1" y="7610918"/>
+            <a:ext cx="6858000" cy="2295082"/>
+          </a:xfrm>
+          <a:prstGeom prst="rect">
+            <a:avLst/>
+          </a:prstGeom>
+          <a:solidFill>
+            <a:srgbClr val="7F7F7F"/>
+          </a:solidFill>
+          <a:ln>
+            <a:noFill/>
+          </a:ln>
+        </p:spPr>
+        <p:style>
+          <a:lnRef idx="2">
+            <a:schemeClr val="accent1">
+              <a:shade val="50000"/>
+            </a:schemeClr>
+          </a:lnRef>
+          <a:fillRef idx="1">
+            <a:schemeClr val="accent1"/>
+          </a:fillRef>
+          <a:effectRef idx="0">
+            <a:schemeClr val="accent1"/>
+          </a:effectRef>
+          <a:fontRef idx="minor">
+            <a:schemeClr val="lt1"/>
+          </a:fontRef>
+        </p:style>
+        <p:txBody>
+          <a:bodyPr rtlCol="0" anchor="ctr"/>
+          <a:lstStyle/>
+          <a:p>
+            <a:pPr algn="ctr"/>
+            <a:endParaRPr lang="en-US" sz="1013"/>
+          </a:p>
+        </p:txBody>
+      </p:sp>
+      <p:sp>
+        <p:nvSpPr>
+          <p:cNvPr id="2" name="제목 1">
+            <a:extLst>
+              <a:ext uri="{FF2B5EF4-FFF2-40B4-BE49-F238E27FC236}">
+                <a16:creationId xmlns:a16="http://schemas.microsoft.com/office/drawing/2014/main" id="{1C635440-90A5-439C-A6D9-98076AB87DB6}"/>
+              </a:ext>
+            </a:extLst>
+          </p:cNvPr>
+          <p:cNvSpPr>
+            <a:spLocks noGrp="1"/>
+          </p:cNvSpPr>
+          <p:nvPr>
+            <p:ph type="ctrTitle"/>
+          </p:nvPr>
+        </p:nvSpPr>
+        <p:spPr>
+          <a:xfrm>
+            <a:off x="1945369" y="6198573"/>
+            <a:ext cx="2967259" cy="2824690"/>
+          </a:xfrm>
+          <a:prstGeom prst="ellipse">
+            <a:avLst/>
+          </a:prstGeom>
+          <a:solidFill>
+            <a:srgbClr val="262626"/>
+          </a:solidFill>
+          <a:ln w="174625" cmpd="thinThick">
+            <a:solidFill>
+              <a:srgbClr val="262626"/>
+            </a:solidFill>
+          </a:ln>
+        </p:spPr>
+        <p:txBody>
+          <a:bodyPr vert="horz" lIns="91440" tIns="45720" rIns="91440" bIns="45720" rtlCol="0" anchor="ctr">
+            <a:normAutofit/>
+          </a:bodyPr>
+          <a:lstStyle/>
+          <a:p>
+            <a:pPr latinLnBrk="0"/>
+            <a:r>
+              <a:rPr lang="ko-KR" altLang="en-US" sz="2500" dirty="0">
+                <a:solidFill>
+                  <a:srgbClr val="FFFFFF"/>
+                </a:solidFill>
+              </a:rPr>
+              <a:t>각종 오류</a:t>
+            </a:r>
+          </a:p>
+        </p:txBody>
+      </p:sp>
+    </p:spTree>
+    <p:extLst>
+      <p:ext uri="{BB962C8B-B14F-4D97-AF65-F5344CB8AC3E}">
+        <p14:creationId xmlns:p14="http://schemas.microsoft.com/office/powerpoint/2010/main" val="4152106044"/>
       </p:ext>
     </p:extLst>
   </p:cSld>
@@ -14364,6 +14632,402 @@
     <p:extLst>
       <p:ext uri="{BB962C8B-B14F-4D97-AF65-F5344CB8AC3E}">
         <p14:creationId xmlns:p14="http://schemas.microsoft.com/office/powerpoint/2010/main" val="1371185507"/>
+      </p:ext>
+    </p:extLst>
+  </p:cSld>
+  <p:clrMapOvr>
+    <a:masterClrMapping/>
+  </p:clrMapOvr>
+</p:sld>
+</file>
+
+<file path=ppt/slides/slide30.xml><?xml version="1.0" encoding="utf-8"?>
+<p:sld xmlns:a="http://schemas.openxmlformats.org/drawingml/2006/main" xmlns:r="http://schemas.openxmlformats.org/officeDocument/2006/relationships" xmlns:p="http://schemas.openxmlformats.org/presentationml/2006/main">
+  <p:cSld>
+    <p:spTree>
+      <p:nvGrpSpPr>
+        <p:cNvPr id="1" name=""/>
+        <p:cNvGrpSpPr/>
+        <p:nvPr/>
+      </p:nvGrpSpPr>
+      <p:grpSpPr>
+        <a:xfrm>
+          <a:off x="0" y="0"/>
+          <a:ext cx="0" cy="0"/>
+          <a:chOff x="0" y="0"/>
+          <a:chExt cx="0" cy="0"/>
+        </a:xfrm>
+      </p:grpSpPr>
+      <p:sp>
+        <p:nvSpPr>
+          <p:cNvPr id="2" name="제목 1">
+            <a:extLst>
+              <a:ext uri="{FF2B5EF4-FFF2-40B4-BE49-F238E27FC236}">
+                <a16:creationId xmlns:a16="http://schemas.microsoft.com/office/drawing/2014/main" id="{753EC37A-1969-4436-B1CE-E92D20C906DB}"/>
+              </a:ext>
+            </a:extLst>
+          </p:cNvPr>
+          <p:cNvSpPr>
+            <a:spLocks noGrp="1"/>
+          </p:cNvSpPr>
+          <p:nvPr>
+            <p:ph type="title"/>
+          </p:nvPr>
+        </p:nvSpPr>
+        <p:spPr/>
+        <p:txBody>
+          <a:bodyPr/>
+          <a:lstStyle/>
+          <a:p>
+            <a:r>
+              <a:rPr lang="ko-KR" altLang="en-US" dirty="0"/>
+              <a:t>각종 오류</a:t>
+            </a:r>
+          </a:p>
+        </p:txBody>
+      </p:sp>
+      <p:sp>
+        <p:nvSpPr>
+          <p:cNvPr id="6" name="슬라이드 번호 개체 틀 5">
+            <a:extLst>
+              <a:ext uri="{FF2B5EF4-FFF2-40B4-BE49-F238E27FC236}">
+                <a16:creationId xmlns:a16="http://schemas.microsoft.com/office/drawing/2014/main" id="{31E3676F-8F02-43B2-A6AA-822F8BA98BBC}"/>
+              </a:ext>
+            </a:extLst>
+          </p:cNvPr>
+          <p:cNvSpPr>
+            <a:spLocks noGrp="1"/>
+          </p:cNvSpPr>
+          <p:nvPr>
+            <p:ph type="sldNum" sz="quarter" idx="12"/>
+          </p:nvPr>
+        </p:nvSpPr>
+        <p:spPr/>
+        <p:txBody>
+          <a:bodyPr/>
+          <a:lstStyle/>
+          <a:p>
+            <a:fld id="{10AB311C-6AC6-403F-922F-D49D21731A5D}" type="slidenum">
+              <a:rPr lang="ko-KR" altLang="en-US" smtClean="0"/>
+              <a:pPr/>
+              <a:t>30</a:t>
+            </a:fld>
+            <a:endParaRPr lang="ko-KR" altLang="en-US"/>
+          </a:p>
+        </p:txBody>
+      </p:sp>
+      <p:pic>
+        <p:nvPicPr>
+          <p:cNvPr id="4" name="그림 3">
+            <a:extLst>
+              <a:ext uri="{FF2B5EF4-FFF2-40B4-BE49-F238E27FC236}">
+                <a16:creationId xmlns:a16="http://schemas.microsoft.com/office/drawing/2014/main" id="{93CCB412-7C75-4291-8847-01D7EC07B09A}"/>
+              </a:ext>
+            </a:extLst>
+          </p:cNvPr>
+          <p:cNvPicPr>
+            <a:picLocks noChangeAspect="1"/>
+          </p:cNvPicPr>
+          <p:nvPr/>
+        </p:nvPicPr>
+        <p:blipFill>
+          <a:blip r:embed="rId2"/>
+          <a:stretch>
+            <a:fillRect/>
+          </a:stretch>
+        </p:blipFill>
+        <p:spPr>
+          <a:xfrm>
+            <a:off x="768222" y="2026415"/>
+            <a:ext cx="3969901" cy="1711406"/>
+          </a:xfrm>
+          <a:prstGeom prst="rect">
+            <a:avLst/>
+          </a:prstGeom>
+          <a:ln>
+            <a:solidFill>
+              <a:schemeClr val="tx1"/>
+            </a:solidFill>
+          </a:ln>
+        </p:spPr>
+      </p:pic>
+      <p:pic>
+        <p:nvPicPr>
+          <p:cNvPr id="8" name="그림 7">
+            <a:extLst>
+              <a:ext uri="{FF2B5EF4-FFF2-40B4-BE49-F238E27FC236}">
+                <a16:creationId xmlns:a16="http://schemas.microsoft.com/office/drawing/2014/main" id="{A768BB65-D547-48F9-AFFA-063F41E3D842}"/>
+              </a:ext>
+            </a:extLst>
+          </p:cNvPr>
+          <p:cNvPicPr>
+            <a:picLocks noChangeAspect="1"/>
+          </p:cNvPicPr>
+          <p:nvPr/>
+        </p:nvPicPr>
+        <p:blipFill>
+          <a:blip r:embed="rId3"/>
+          <a:stretch>
+            <a:fillRect/>
+          </a:stretch>
+        </p:blipFill>
+        <p:spPr>
+          <a:xfrm>
+            <a:off x="768222" y="5397961"/>
+            <a:ext cx="4848902" cy="990738"/>
+          </a:xfrm>
+          <a:prstGeom prst="rect">
+            <a:avLst/>
+          </a:prstGeom>
+          <a:ln>
+            <a:solidFill>
+              <a:schemeClr val="tx1"/>
+            </a:solidFill>
+          </a:ln>
+        </p:spPr>
+      </p:pic>
+      <p:sp>
+        <p:nvSpPr>
+          <p:cNvPr id="9" name="TextBox 8">
+            <a:extLst>
+              <a:ext uri="{FF2B5EF4-FFF2-40B4-BE49-F238E27FC236}">
+                <a16:creationId xmlns:a16="http://schemas.microsoft.com/office/drawing/2014/main" id="{3DD89322-E462-4A1C-BAF8-9A66C9808994}"/>
+              </a:ext>
+            </a:extLst>
+          </p:cNvPr>
+          <p:cNvSpPr txBox="1"/>
+          <p:nvPr/>
+        </p:nvSpPr>
+        <p:spPr>
+          <a:xfrm>
+            <a:off x="768222" y="1512503"/>
+            <a:ext cx="1352678" cy="338554"/>
+          </a:xfrm>
+          <a:prstGeom prst="rect">
+            <a:avLst/>
+          </a:prstGeom>
+          <a:noFill/>
+        </p:spPr>
+        <p:txBody>
+          <a:bodyPr wrap="square" rtlCol="0">
+            <a:spAutoFit/>
+          </a:bodyPr>
+          <a:lstStyle/>
+          <a:p>
+            <a:pPr algn="l"/>
+            <a:r>
+              <a:rPr lang="en-US" altLang="ko-KR" sz="1600" b="1" dirty="0" err="1">
+                <a:latin typeface="+mn-ea"/>
+              </a:rPr>
+              <a:t>0x8007139F</a:t>
+            </a:r>
+            <a:endParaRPr lang="ko-KR" altLang="en-US" sz="1600" b="1" dirty="0">
+              <a:latin typeface="+mn-ea"/>
+            </a:endParaRPr>
+          </a:p>
+        </p:txBody>
+      </p:sp>
+      <p:sp>
+        <p:nvSpPr>
+          <p:cNvPr id="12" name="TextBox 11">
+            <a:extLst>
+              <a:ext uri="{FF2B5EF4-FFF2-40B4-BE49-F238E27FC236}">
+                <a16:creationId xmlns:a16="http://schemas.microsoft.com/office/drawing/2014/main" id="{6A7BD82C-C8FF-47DF-8E1D-D36B4AD8863D}"/>
+              </a:ext>
+            </a:extLst>
+          </p:cNvPr>
+          <p:cNvSpPr txBox="1"/>
+          <p:nvPr/>
+        </p:nvSpPr>
+        <p:spPr>
+          <a:xfrm>
+            <a:off x="768222" y="4054268"/>
+            <a:ext cx="1194558" cy="338554"/>
+          </a:xfrm>
+          <a:prstGeom prst="rect">
+            <a:avLst/>
+          </a:prstGeom>
+          <a:noFill/>
+        </p:spPr>
+        <p:txBody>
+          <a:bodyPr wrap="none" rtlCol="0">
+            <a:spAutoFit/>
+          </a:bodyPr>
+          <a:lstStyle/>
+          <a:p>
+            <a:pPr algn="l"/>
+            <a:r>
+              <a:rPr lang="ko-KR" altLang="en-US" sz="1600" dirty="0">
+                <a:latin typeface="+mn-ea"/>
+              </a:rPr>
+              <a:t>해결방법 </a:t>
+            </a:r>
+            <a:r>
+              <a:rPr lang="en-US" altLang="ko-KR" sz="1600" dirty="0">
+                <a:latin typeface="+mn-ea"/>
+              </a:rPr>
+              <a:t>: </a:t>
+            </a:r>
+          </a:p>
+        </p:txBody>
+      </p:sp>
+      <p:sp>
+        <p:nvSpPr>
+          <p:cNvPr id="21" name="TextBox 20">
+            <a:extLst>
+              <a:ext uri="{FF2B5EF4-FFF2-40B4-BE49-F238E27FC236}">
+                <a16:creationId xmlns:a16="http://schemas.microsoft.com/office/drawing/2014/main" id="{6C22236E-43D5-4636-998B-EFA1325E4058}"/>
+              </a:ext>
+            </a:extLst>
+          </p:cNvPr>
+          <p:cNvSpPr txBox="1"/>
+          <p:nvPr/>
+        </p:nvSpPr>
+        <p:spPr>
+          <a:xfrm>
+            <a:off x="641807" y="4644860"/>
+            <a:ext cx="5172698" cy="584775"/>
+          </a:xfrm>
+          <a:prstGeom prst="rect">
+            <a:avLst/>
+          </a:prstGeom>
+          <a:noFill/>
+        </p:spPr>
+        <p:txBody>
+          <a:bodyPr wrap="none" rtlCol="0">
+            <a:spAutoFit/>
+          </a:bodyPr>
+          <a:lstStyle/>
+          <a:p>
+            <a:pPr marL="342900" indent="-342900" algn="l">
+              <a:buAutoNum type="arabicPeriod"/>
+            </a:pPr>
+            <a:r>
+              <a:rPr lang="ko-KR" altLang="en-US" sz="1600" dirty="0">
+                <a:latin typeface="+mn-ea"/>
+              </a:rPr>
+              <a:t>제어판</a:t>
+            </a:r>
+            <a:r>
+              <a:rPr lang="en-US" altLang="ko-KR" sz="1600" dirty="0">
+                <a:latin typeface="+mn-ea"/>
+              </a:rPr>
+              <a:t> – </a:t>
+            </a:r>
+            <a:r>
+              <a:rPr lang="ko-KR" altLang="en-US" sz="1600" dirty="0">
+                <a:latin typeface="+mn-ea"/>
+              </a:rPr>
+              <a:t>프로그램 제거 </a:t>
+            </a:r>
+            <a:r>
+              <a:rPr lang="en-US" altLang="ko-KR" sz="1600" dirty="0">
+                <a:latin typeface="+mn-ea"/>
+              </a:rPr>
+              <a:t>–</a:t>
+            </a:r>
+            <a:r>
+              <a:rPr lang="ko-KR" altLang="en-US" sz="1600" dirty="0">
+                <a:latin typeface="+mn-ea"/>
+              </a:rPr>
+              <a:t> </a:t>
+            </a:r>
+            <a:r>
+              <a:rPr lang="en-US" altLang="ko-KR" sz="1600" dirty="0" err="1">
+                <a:latin typeface="+mn-ea"/>
+              </a:rPr>
+              <a:t>WebView2</a:t>
+            </a:r>
+            <a:r>
+              <a:rPr lang="en-US" altLang="ko-KR" sz="1600" dirty="0">
+                <a:latin typeface="+mn-ea"/>
+              </a:rPr>
+              <a:t> </a:t>
+            </a:r>
+            <a:r>
+              <a:rPr lang="ko-KR" altLang="en-US" sz="1600" dirty="0">
+                <a:latin typeface="+mn-ea"/>
+              </a:rPr>
+              <a:t>검색 후 삭제</a:t>
+            </a:r>
+            <a:endParaRPr lang="en-US" altLang="ko-KR" sz="1600" dirty="0">
+              <a:latin typeface="+mn-ea"/>
+            </a:endParaRPr>
+          </a:p>
+          <a:p>
+            <a:pPr marL="342900" indent="-342900" algn="l">
+              <a:buAutoNum type="arabicPeriod"/>
+            </a:pPr>
+            <a:r>
+              <a:rPr lang="ko-KR" altLang="en-US" sz="1600" dirty="0">
+                <a:latin typeface="+mn-ea"/>
+              </a:rPr>
+              <a:t>거상 스테이션 실행 후 </a:t>
+            </a:r>
+            <a:r>
+              <a:rPr lang="en-US" altLang="ko-KR" sz="1600" dirty="0" err="1">
+                <a:latin typeface="+mn-ea"/>
+              </a:rPr>
+              <a:t>WebView2</a:t>
+            </a:r>
+            <a:r>
+              <a:rPr lang="en-US" altLang="ko-KR" sz="1600" dirty="0">
+                <a:latin typeface="+mn-ea"/>
+              </a:rPr>
+              <a:t> </a:t>
+            </a:r>
+            <a:r>
+              <a:rPr lang="ko-KR" altLang="en-US" sz="1600" dirty="0">
+                <a:latin typeface="+mn-ea"/>
+              </a:rPr>
+              <a:t>런타임 재설치</a:t>
+            </a:r>
+            <a:endParaRPr lang="en-US" altLang="ko-KR" sz="1600" dirty="0">
+              <a:latin typeface="+mn-ea"/>
+            </a:endParaRPr>
+          </a:p>
+        </p:txBody>
+      </p:sp>
+      <p:pic>
+        <p:nvPicPr>
+          <p:cNvPr id="23" name="그림 22" descr="텍스트이(가) 표시된 사진&#10;&#10;자동 생성된 설명">
+            <a:extLst>
+              <a:ext uri="{FF2B5EF4-FFF2-40B4-BE49-F238E27FC236}">
+                <a16:creationId xmlns:a16="http://schemas.microsoft.com/office/drawing/2014/main" id="{E1D89307-F7C2-4265-A760-8BABEF497226}"/>
+              </a:ext>
+            </a:extLst>
+          </p:cNvPr>
+          <p:cNvPicPr>
+            <a:picLocks noChangeAspect="1"/>
+          </p:cNvPicPr>
+          <p:nvPr/>
+        </p:nvPicPr>
+        <p:blipFill>
+          <a:blip r:embed="rId4">
+            <a:extLst>
+              <a:ext uri="{28A0092B-C50C-407E-A947-70E740481C1C}">
+                <a14:useLocalDpi xmlns:a14="http://schemas.microsoft.com/office/drawing/2010/main" val="0"/>
+              </a:ext>
+            </a:extLst>
+          </a:blip>
+          <a:stretch>
+            <a:fillRect/>
+          </a:stretch>
+        </p:blipFill>
+        <p:spPr>
+          <a:xfrm>
+            <a:off x="768222" y="6556686"/>
+            <a:ext cx="2858452" cy="1228362"/>
+          </a:xfrm>
+          <a:prstGeom prst="rect">
+            <a:avLst/>
+          </a:prstGeom>
+        </p:spPr>
+      </p:pic>
+    </p:spTree>
+    <p:extLst>
+      <p:ext uri="{BB962C8B-B14F-4D97-AF65-F5344CB8AC3E}">
+        <p14:creationId xmlns:p14="http://schemas.microsoft.com/office/powerpoint/2010/main" val="2551756461"/>
       </p:ext>
     </p:extLst>
   </p:cSld>
@@ -16187,7 +16851,7 @@
         </p:nvSpPr>
         <p:spPr>
           <a:xfrm>
-            <a:off x="2439297" y="4455505"/>
+            <a:off x="2439297" y="4238149"/>
             <a:ext cx="1979405" cy="323399"/>
           </a:xfrm>
           <a:prstGeom prst="rect">
@@ -16377,6 +17041,56 @@
             <a:endParaRPr lang="en-US" altLang="ko-KR" sz="1600" dirty="0">
               <a:latin typeface="+mn-ea"/>
             </a:endParaRPr>
+          </a:p>
+        </p:txBody>
+      </p:sp>
+      <p:sp>
+        <p:nvSpPr>
+          <p:cNvPr id="5" name="TextBox 4">
+            <a:extLst>
+              <a:ext uri="{FF2B5EF4-FFF2-40B4-BE49-F238E27FC236}">
+                <a16:creationId xmlns:a16="http://schemas.microsoft.com/office/drawing/2014/main" id="{A01F1846-AEA5-4B72-90D8-EFD2713B0CAC}"/>
+              </a:ext>
+            </a:extLst>
+          </p:cNvPr>
+          <p:cNvSpPr txBox="1"/>
+          <p:nvPr/>
+        </p:nvSpPr>
+        <p:spPr>
+          <a:xfrm>
+            <a:off x="494624" y="4983054"/>
+            <a:ext cx="6082114" cy="338554"/>
+          </a:xfrm>
+          <a:prstGeom prst="rect">
+            <a:avLst/>
+          </a:prstGeom>
+          <a:noFill/>
+        </p:spPr>
+        <p:txBody>
+          <a:bodyPr wrap="none" rtlCol="0">
+            <a:spAutoFit/>
+          </a:bodyPr>
+          <a:lstStyle/>
+          <a:p>
+            <a:pPr algn="l"/>
+            <a:r>
+              <a:rPr lang="ko-KR" altLang="en-US" sz="1600" dirty="0">
+                <a:latin typeface="+mn-ea"/>
+              </a:rPr>
+              <a:t>여기까지의 과정이 잘 되지 않는다면</a:t>
+            </a:r>
+            <a:r>
+              <a:rPr lang="en-US" altLang="ko-KR" sz="1600" dirty="0">
+                <a:latin typeface="+mn-ea"/>
+              </a:rPr>
+              <a:t>? -&gt; </a:t>
+            </a:r>
+            <a:r>
+              <a:rPr lang="ko-KR" altLang="en-US" sz="1600" dirty="0">
+                <a:latin typeface="+mn-ea"/>
+              </a:rPr>
+              <a:t>런타임 설치 관련 오류</a:t>
+            </a:r>
           </a:p>
         </p:txBody>
       </p:sp>

--- a/사용자 설명서.pptx
+++ b/사용자 설명서.pptx
@@ -237,7 +237,7 @@
           <a:p>
             <a:fld id="{E44C0CE8-72A0-4F31-B67E-F377F1F4B71A}" type="datetimeFigureOut">
               <a:rPr lang="ko-KR" altLang="en-US" smtClean="0"/>
-              <a:t>2022-03-05</a:t>
+              <a:t>2022-07-23</a:t>
             </a:fld>
             <a:endParaRPr lang="ko-KR" altLang="en-US"/>
           </a:p>
@@ -3280,15 +3280,7 @@
             </a:br>
             <a:r>
               <a:rPr lang="en-US" altLang="ko-KR" dirty="0"/>
-              <a:t>(</a:t>
-            </a:r>
-            <a:r>
-              <a:rPr lang="en-US" altLang="ko-KR" dirty="0" err="1"/>
-              <a:t>v1.0.0</a:t>
-            </a:r>
-            <a:r>
-              <a:rPr lang="en-US" altLang="ko-KR" dirty="0"/>
-              <a:t> </a:t>
+              <a:t>(v1.1.0 </a:t>
             </a:r>
             <a:r>
               <a:rPr lang="ko-KR" altLang="en-US" dirty="0"/>
@@ -17058,8 +17050,8 @@
         </p:nvSpPr>
         <p:spPr>
           <a:xfrm>
-            <a:off x="494624" y="4983054"/>
-            <a:ext cx="6082114" cy="338554"/>
+            <a:off x="922668" y="5462250"/>
+            <a:ext cx="4808111" cy="338554"/>
           </a:xfrm>
           <a:prstGeom prst="rect">
             <a:avLst/>
@@ -17074,26 +17066,71 @@
           <a:p>
             <a:pPr algn="l"/>
             <a:r>
-              <a:rPr lang="ko-KR" altLang="en-US" sz="1600" dirty="0">
-                <a:latin typeface="+mn-ea"/>
-              </a:rPr>
-              <a:t>여기까지의 과정이 잘 되지 않는다면</a:t>
-            </a:r>
-            <a:r>
               <a:rPr lang="en-US" altLang="ko-KR" sz="1600" dirty="0">
                 <a:latin typeface="+mn-ea"/>
               </a:rPr>
+              <a:t>.NET 6.0 Runtime </a:t>
+            </a:r>
+            <a:r>
+              <a:rPr lang="ko-KR" altLang="en-US" sz="1600" dirty="0">
+                <a:latin typeface="+mn-ea"/>
+              </a:rPr>
+              <a:t>설치 창이 계속 뜬다면</a:t>
+            </a:r>
+            <a:r>
+              <a:rPr lang="en-US" altLang="ko-KR" sz="1600" dirty="0">
+                <a:latin typeface="+mn-ea"/>
+              </a:rPr>
               <a:t>? -&gt; </a:t>
             </a:r>
             <a:r>
               <a:rPr lang="ko-KR" altLang="en-US" sz="1600" dirty="0">
                 <a:latin typeface="+mn-ea"/>
-              </a:rPr>
-              <a:t>런타임 설치 관련 오류</a:t>
-            </a:r>
-          </a:p>
-        </p:txBody>
-      </p:sp>
+                <a:hlinkClick r:id="rId4"/>
+              </a:rPr>
+              <a:t>접속</a:t>
+            </a:r>
+            <a:endParaRPr lang="ko-KR" altLang="en-US" sz="1600" dirty="0">
+              <a:latin typeface="+mn-ea"/>
+            </a:endParaRPr>
+          </a:p>
+        </p:txBody>
+      </p:sp>
+      <p:pic>
+        <p:nvPicPr>
+          <p:cNvPr id="12" name="그림 11">
+            <a:extLst>
+              <a:ext uri="{FF2B5EF4-FFF2-40B4-BE49-F238E27FC236}">
+                <a16:creationId xmlns:a16="http://schemas.microsoft.com/office/drawing/2014/main" id="{50AB2786-4871-78B0-BEF9-8A14B5C32EDA}"/>
+              </a:ext>
+            </a:extLst>
+          </p:cNvPr>
+          <p:cNvPicPr>
+            <a:picLocks noChangeAspect="1"/>
+          </p:cNvPicPr>
+          <p:nvPr/>
+        </p:nvPicPr>
+        <p:blipFill>
+          <a:blip r:embed="rId5"/>
+          <a:stretch>
+            <a:fillRect/>
+          </a:stretch>
+        </p:blipFill>
+        <p:spPr>
+          <a:xfrm>
+            <a:off x="922668" y="5906910"/>
+            <a:ext cx="5012662" cy="2190663"/>
+          </a:xfrm>
+          <a:prstGeom prst="rect">
+            <a:avLst/>
+          </a:prstGeom>
+          <a:ln>
+            <a:solidFill>
+              <a:schemeClr val="tx1"/>
+            </a:solidFill>
+          </a:ln>
+        </p:spPr>
+      </p:pic>
     </p:spTree>
     <p:extLst>
       <p:ext uri="{BB962C8B-B14F-4D97-AF65-F5344CB8AC3E}">

--- a/사용자 설명서.pptx
+++ b/사용자 설명서.pptx
@@ -5,39 +5,40 @@
     <p:sldMasterId id="2147483660" r:id="rId1"/>
   </p:sldMasterIdLst>
   <p:notesMasterIdLst>
-    <p:notesMasterId r:id="rId32"/>
+    <p:notesMasterId r:id="rId33"/>
   </p:notesMasterIdLst>
   <p:sldIdLst>
     <p:sldId id="256" r:id="rId2"/>
-    <p:sldId id="257" r:id="rId3"/>
-    <p:sldId id="291" r:id="rId4"/>
-    <p:sldId id="284" r:id="rId5"/>
-    <p:sldId id="283" r:id="rId6"/>
-    <p:sldId id="263" r:id="rId7"/>
-    <p:sldId id="290" r:id="rId8"/>
-    <p:sldId id="260" r:id="rId9"/>
-    <p:sldId id="264" r:id="rId10"/>
-    <p:sldId id="267" r:id="rId11"/>
-    <p:sldId id="266" r:id="rId12"/>
-    <p:sldId id="268" r:id="rId13"/>
-    <p:sldId id="269" r:id="rId14"/>
-    <p:sldId id="289" r:id="rId15"/>
-    <p:sldId id="272" r:id="rId16"/>
-    <p:sldId id="273" r:id="rId17"/>
-    <p:sldId id="274" r:id="rId18"/>
-    <p:sldId id="288" r:id="rId19"/>
-    <p:sldId id="277" r:id="rId20"/>
-    <p:sldId id="278" r:id="rId21"/>
-    <p:sldId id="279" r:id="rId22"/>
-    <p:sldId id="292" r:id="rId23"/>
-    <p:sldId id="281" r:id="rId24"/>
-    <p:sldId id="293" r:id="rId25"/>
-    <p:sldId id="294" r:id="rId26"/>
-    <p:sldId id="282" r:id="rId27"/>
-    <p:sldId id="295" r:id="rId28"/>
-    <p:sldId id="262" r:id="rId29"/>
-    <p:sldId id="296" r:id="rId30"/>
-    <p:sldId id="297" r:id="rId31"/>
+    <p:sldId id="298" r:id="rId3"/>
+    <p:sldId id="257" r:id="rId4"/>
+    <p:sldId id="291" r:id="rId5"/>
+    <p:sldId id="284" r:id="rId6"/>
+    <p:sldId id="283" r:id="rId7"/>
+    <p:sldId id="263" r:id="rId8"/>
+    <p:sldId id="290" r:id="rId9"/>
+    <p:sldId id="260" r:id="rId10"/>
+    <p:sldId id="264" r:id="rId11"/>
+    <p:sldId id="267" r:id="rId12"/>
+    <p:sldId id="266" r:id="rId13"/>
+    <p:sldId id="268" r:id="rId14"/>
+    <p:sldId id="269" r:id="rId15"/>
+    <p:sldId id="289" r:id="rId16"/>
+    <p:sldId id="272" r:id="rId17"/>
+    <p:sldId id="273" r:id="rId18"/>
+    <p:sldId id="274" r:id="rId19"/>
+    <p:sldId id="288" r:id="rId20"/>
+    <p:sldId id="277" r:id="rId21"/>
+    <p:sldId id="278" r:id="rId22"/>
+    <p:sldId id="279" r:id="rId23"/>
+    <p:sldId id="292" r:id="rId24"/>
+    <p:sldId id="281" r:id="rId25"/>
+    <p:sldId id="293" r:id="rId26"/>
+    <p:sldId id="294" r:id="rId27"/>
+    <p:sldId id="282" r:id="rId28"/>
+    <p:sldId id="295" r:id="rId29"/>
+    <p:sldId id="262" r:id="rId30"/>
+    <p:sldId id="296" r:id="rId31"/>
+    <p:sldId id="297" r:id="rId32"/>
   </p:sldIdLst>
   <p:sldSz cx="6858000" cy="9906000" type="A4"/>
   <p:notesSz cx="6858000" cy="9144000"/>
@@ -237,7 +238,7 @@
           <a:p>
             <a:fld id="{E44C0CE8-72A0-4F31-B67E-F377F1F4B71A}" type="datetimeFigureOut">
               <a:rPr lang="ko-KR" altLang="en-US" smtClean="0"/>
-              <a:t>2022-07-23</a:t>
+              <a:t>2023-01-03</a:t>
             </a:fld>
             <a:endParaRPr lang="ko-KR" altLang="en-US"/>
           </a:p>
@@ -3431,6 +3432,707 @@
       </p:sp>
       <p:grpSp>
         <p:nvGrpSpPr>
+          <p:cNvPr id="9" name="그룹 8">
+            <a:extLst>
+              <a:ext uri="{FF2B5EF4-FFF2-40B4-BE49-F238E27FC236}">
+                <a16:creationId xmlns:a16="http://schemas.microsoft.com/office/drawing/2014/main" id="{725C99E0-74B7-4971-B160-8A2E428181BE}"/>
+              </a:ext>
+            </a:extLst>
+          </p:cNvPr>
+          <p:cNvGrpSpPr>
+            <a:grpSpLocks noChangeAspect="1"/>
+          </p:cNvGrpSpPr>
+          <p:nvPr/>
+        </p:nvGrpSpPr>
+        <p:grpSpPr>
+          <a:xfrm>
+            <a:off x="486728" y="1436589"/>
+            <a:ext cx="2880000" cy="2258823"/>
+            <a:chOff x="1120935" y="5939680"/>
+            <a:chExt cx="3886742" cy="3048425"/>
+          </a:xfrm>
+        </p:grpSpPr>
+        <p:pic>
+          <p:nvPicPr>
+            <p:cNvPr id="15" name="그림 14">
+              <a:extLst>
+                <a:ext uri="{FF2B5EF4-FFF2-40B4-BE49-F238E27FC236}">
+                  <a16:creationId xmlns:a16="http://schemas.microsoft.com/office/drawing/2014/main" id="{4C54CF48-C5CE-4874-AC69-ECA8E33C88BF}"/>
+                </a:ext>
+              </a:extLst>
+            </p:cNvPr>
+            <p:cNvPicPr>
+              <a:picLocks noChangeAspect="1"/>
+            </p:cNvPicPr>
+            <p:nvPr/>
+          </p:nvPicPr>
+          <p:blipFill>
+            <a:blip r:embed="rId2">
+              <a:extLst>
+                <a:ext uri="{BEBA8EAE-BF5A-486C-A8C5-ECC9F3942E4B}">
+                  <a14:imgProps xmlns:a14="http://schemas.microsoft.com/office/drawing/2010/main">
+                    <a14:imgLayer r:embed="rId3">
+                      <a14:imgEffect>
+                        <a14:artisticBlur radius="4"/>
+                      </a14:imgEffect>
+                    </a14:imgLayer>
+                  </a14:imgProps>
+                </a:ext>
+              </a:extLst>
+            </a:blip>
+            <a:stretch>
+              <a:fillRect/>
+            </a:stretch>
+          </p:blipFill>
+          <p:spPr>
+            <a:xfrm>
+              <a:off x="1120935" y="5939680"/>
+              <a:ext cx="3886742" cy="3048425"/>
+            </a:xfrm>
+            <a:prstGeom prst="rect">
+              <a:avLst/>
+            </a:prstGeom>
+          </p:spPr>
+        </p:pic>
+        <p:pic>
+          <p:nvPicPr>
+            <p:cNvPr id="18" name="그림 17">
+              <a:extLst>
+                <a:ext uri="{FF2B5EF4-FFF2-40B4-BE49-F238E27FC236}">
+                  <a16:creationId xmlns:a16="http://schemas.microsoft.com/office/drawing/2014/main" id="{E160CCB8-7DFA-41AE-8FFF-817E64ED37C4}"/>
+                </a:ext>
+              </a:extLst>
+            </p:cNvPr>
+            <p:cNvPicPr>
+              <a:picLocks noChangeAspect="1"/>
+            </p:cNvPicPr>
+            <p:nvPr/>
+          </p:nvPicPr>
+          <p:blipFill rotWithShape="1">
+            <a:blip r:embed="rId4"/>
+            <a:srcRect l="59415" t="33637" r="26893" b="27270"/>
+            <a:stretch/>
+          </p:blipFill>
+          <p:spPr>
+            <a:xfrm>
+              <a:off x="3430249" y="6965077"/>
+              <a:ext cx="532151" cy="1191719"/>
+            </a:xfrm>
+            <a:prstGeom prst="rect">
+              <a:avLst/>
+            </a:prstGeom>
+          </p:spPr>
+        </p:pic>
+        <p:sp>
+          <p:nvSpPr>
+            <p:cNvPr id="19" name="직사각형 18">
+              <a:extLst>
+                <a:ext uri="{FF2B5EF4-FFF2-40B4-BE49-F238E27FC236}">
+                  <a16:creationId xmlns:a16="http://schemas.microsoft.com/office/drawing/2014/main" id="{DB032E1F-EB02-4238-B987-613B7F7B5F0B}"/>
+                </a:ext>
+              </a:extLst>
+            </p:cNvPr>
+            <p:cNvSpPr/>
+            <p:nvPr/>
+          </p:nvSpPr>
+          <p:spPr>
+            <a:xfrm>
+              <a:off x="3430249" y="6965077"/>
+              <a:ext cx="532151" cy="1191719"/>
+            </a:xfrm>
+            <a:prstGeom prst="rect">
+              <a:avLst/>
+            </a:prstGeom>
+            <a:noFill/>
+            <a:ln>
+              <a:solidFill>
+                <a:srgbClr val="FF0000"/>
+              </a:solidFill>
+            </a:ln>
+          </p:spPr>
+          <p:style>
+            <a:lnRef idx="2">
+              <a:schemeClr val="accent1">
+                <a:shade val="50000"/>
+              </a:schemeClr>
+            </a:lnRef>
+            <a:fillRef idx="1">
+              <a:schemeClr val="accent1"/>
+            </a:fillRef>
+            <a:effectRef idx="0">
+              <a:schemeClr val="accent1"/>
+            </a:effectRef>
+            <a:fontRef idx="minor">
+              <a:schemeClr val="lt1"/>
+            </a:fontRef>
+          </p:style>
+          <p:txBody>
+            <a:bodyPr rtlCol="0" anchor="ctr"/>
+            <a:lstStyle/>
+            <a:p>
+              <a:pPr algn="ctr"/>
+              <a:endParaRPr lang="ko-KR" altLang="en-US"/>
+            </a:p>
+          </p:txBody>
+        </p:sp>
+      </p:grpSp>
+      <p:pic>
+        <p:nvPicPr>
+          <p:cNvPr id="4" name="그림 3">
+            <a:extLst>
+              <a:ext uri="{FF2B5EF4-FFF2-40B4-BE49-F238E27FC236}">
+                <a16:creationId xmlns:a16="http://schemas.microsoft.com/office/drawing/2014/main" id="{AE27D4D8-E590-4333-B753-0432D11C0B9E}"/>
+              </a:ext>
+            </a:extLst>
+          </p:cNvPr>
+          <p:cNvPicPr>
+            <a:picLocks noChangeAspect="1"/>
+          </p:cNvPicPr>
+          <p:nvPr/>
+        </p:nvPicPr>
+        <p:blipFill>
+          <a:blip r:embed="rId5"/>
+          <a:stretch>
+            <a:fillRect/>
+          </a:stretch>
+        </p:blipFill>
+        <p:spPr>
+          <a:xfrm>
+            <a:off x="4430070" y="7101840"/>
+            <a:ext cx="1295628" cy="1001852"/>
+          </a:xfrm>
+          <a:prstGeom prst="rect">
+            <a:avLst/>
+          </a:prstGeom>
+        </p:spPr>
+      </p:pic>
+      <p:pic>
+        <p:nvPicPr>
+          <p:cNvPr id="6" name="그림 5">
+            <a:extLst>
+              <a:ext uri="{FF2B5EF4-FFF2-40B4-BE49-F238E27FC236}">
+                <a16:creationId xmlns:a16="http://schemas.microsoft.com/office/drawing/2014/main" id="{4925B0EB-9975-4515-B448-879253CF2402}"/>
+              </a:ext>
+            </a:extLst>
+          </p:cNvPr>
+          <p:cNvPicPr>
+            <a:picLocks noChangeAspect="1"/>
+          </p:cNvPicPr>
+          <p:nvPr/>
+        </p:nvPicPr>
+        <p:blipFill>
+          <a:blip r:embed="rId6"/>
+          <a:stretch>
+            <a:fillRect/>
+          </a:stretch>
+        </p:blipFill>
+        <p:spPr>
+          <a:xfrm>
+            <a:off x="486728" y="4122351"/>
+            <a:ext cx="1924319" cy="1295581"/>
+          </a:xfrm>
+          <a:prstGeom prst="rect">
+            <a:avLst/>
+          </a:prstGeom>
+        </p:spPr>
+      </p:pic>
+      <p:sp>
+        <p:nvSpPr>
+          <p:cNvPr id="3" name="슬라이드 번호 개체 틀 2">
+            <a:extLst>
+              <a:ext uri="{FF2B5EF4-FFF2-40B4-BE49-F238E27FC236}">
+                <a16:creationId xmlns:a16="http://schemas.microsoft.com/office/drawing/2014/main" id="{7DADC9E1-069D-4FE2-AAAA-55B7F3DBC768}"/>
+              </a:ext>
+            </a:extLst>
+          </p:cNvPr>
+          <p:cNvSpPr>
+            <a:spLocks noGrp="1"/>
+          </p:cNvSpPr>
+          <p:nvPr>
+            <p:ph type="sldNum" sz="quarter" idx="12"/>
+          </p:nvPr>
+        </p:nvSpPr>
+        <p:spPr/>
+        <p:txBody>
+          <a:bodyPr/>
+          <a:lstStyle/>
+          <a:p>
+            <a:fld id="{10AB311C-6AC6-403F-922F-D49D21731A5D}" type="slidenum">
+              <a:rPr lang="ko-KR" altLang="en-US" smtClean="0"/>
+              <a:pPr/>
+              <a:t>10</a:t>
+            </a:fld>
+            <a:endParaRPr lang="ko-KR" altLang="en-US"/>
+          </a:p>
+        </p:txBody>
+      </p:sp>
+      <p:sp>
+        <p:nvSpPr>
+          <p:cNvPr id="10" name="TextBox 9">
+            <a:extLst>
+              <a:ext uri="{FF2B5EF4-FFF2-40B4-BE49-F238E27FC236}">
+                <a16:creationId xmlns:a16="http://schemas.microsoft.com/office/drawing/2014/main" id="{6A133461-F633-4B93-81FE-006CCCE30F7C}"/>
+              </a:ext>
+            </a:extLst>
+          </p:cNvPr>
+          <p:cNvSpPr txBox="1"/>
+          <p:nvPr/>
+        </p:nvSpPr>
+        <p:spPr>
+          <a:xfrm>
+            <a:off x="3521208" y="1991943"/>
+            <a:ext cx="3113353" cy="1077218"/>
+          </a:xfrm>
+          <a:prstGeom prst="rect">
+            <a:avLst/>
+          </a:prstGeom>
+          <a:noFill/>
+        </p:spPr>
+        <p:txBody>
+          <a:bodyPr wrap="none" rtlCol="0">
+            <a:spAutoFit/>
+          </a:bodyPr>
+          <a:lstStyle/>
+          <a:p>
+            <a:pPr algn="l"/>
+            <a:r>
+              <a:rPr lang="ko-KR" altLang="en-US" sz="1600" dirty="0">
+                <a:latin typeface="+mn-ea"/>
+              </a:rPr>
+              <a:t>로그인 스위치입니다</a:t>
+            </a:r>
+            <a:r>
+              <a:rPr lang="en-US" altLang="ko-KR" sz="1600" dirty="0">
+                <a:latin typeface="+mn-ea"/>
+              </a:rPr>
+              <a:t>.</a:t>
+            </a:r>
+          </a:p>
+          <a:p>
+            <a:pPr algn="l"/>
+            <a:endParaRPr lang="en-US" altLang="ko-KR" sz="1600" dirty="0">
+              <a:latin typeface="+mn-ea"/>
+            </a:endParaRPr>
+          </a:p>
+          <a:p>
+            <a:pPr algn="l"/>
+            <a:r>
+              <a:rPr lang="ko-KR" altLang="en-US" sz="1600" dirty="0">
+                <a:latin typeface="+mn-ea"/>
+              </a:rPr>
+              <a:t>클릭 시</a:t>
+            </a:r>
+            <a:r>
+              <a:rPr lang="en-US" altLang="ko-KR" sz="1600" dirty="0">
+                <a:latin typeface="+mn-ea"/>
+              </a:rPr>
+              <a:t>, </a:t>
+            </a:r>
+            <a:r>
+              <a:rPr lang="ko-KR" altLang="en-US" sz="1600" dirty="0">
+                <a:latin typeface="+mn-ea"/>
+              </a:rPr>
+              <a:t>계정 선택 박스에서</a:t>
+            </a:r>
+            <a:endParaRPr lang="en-US" altLang="ko-KR" sz="1600" dirty="0">
+              <a:latin typeface="+mn-ea"/>
+            </a:endParaRPr>
+          </a:p>
+          <a:p>
+            <a:pPr algn="l"/>
+            <a:r>
+              <a:rPr lang="ko-KR" altLang="en-US" sz="1600" dirty="0">
+                <a:latin typeface="+mn-ea"/>
+              </a:rPr>
+              <a:t>선택한 계정으로 로그인 합니다</a:t>
+            </a:r>
+            <a:r>
+              <a:rPr lang="en-US" altLang="ko-KR" sz="1600" dirty="0">
+                <a:latin typeface="+mn-ea"/>
+              </a:rPr>
+              <a:t>.</a:t>
+            </a:r>
+          </a:p>
+        </p:txBody>
+      </p:sp>
+      <p:sp>
+        <p:nvSpPr>
+          <p:cNvPr id="16" name="TextBox 15">
+            <a:extLst>
+              <a:ext uri="{FF2B5EF4-FFF2-40B4-BE49-F238E27FC236}">
+                <a16:creationId xmlns:a16="http://schemas.microsoft.com/office/drawing/2014/main" id="{5D42AA89-CC67-44AB-A0C2-914EC903682F}"/>
+              </a:ext>
+            </a:extLst>
+          </p:cNvPr>
+          <p:cNvSpPr txBox="1"/>
+          <p:nvPr/>
+        </p:nvSpPr>
+        <p:spPr>
+          <a:xfrm>
+            <a:off x="2657475" y="4477753"/>
+            <a:ext cx="3837589" cy="584775"/>
+          </a:xfrm>
+          <a:prstGeom prst="rect">
+            <a:avLst/>
+          </a:prstGeom>
+          <a:noFill/>
+        </p:spPr>
+        <p:txBody>
+          <a:bodyPr wrap="none" rtlCol="0">
+            <a:spAutoFit/>
+          </a:bodyPr>
+          <a:lstStyle/>
+          <a:p>
+            <a:pPr algn="l"/>
+            <a:r>
+              <a:rPr lang="ko-KR" altLang="en-US" sz="1600" dirty="0">
+                <a:latin typeface="+mn-ea"/>
+              </a:rPr>
+              <a:t>만약 </a:t>
+            </a:r>
+            <a:r>
+              <a:rPr lang="en-US" altLang="ko-KR" sz="1600" dirty="0">
+                <a:latin typeface="+mn-ea"/>
+              </a:rPr>
+              <a:t>OTP</a:t>
+            </a:r>
+            <a:r>
+              <a:rPr lang="ko-KR" altLang="en-US" sz="1600" dirty="0">
+                <a:latin typeface="+mn-ea"/>
+              </a:rPr>
+              <a:t>가 설정되어 있다면</a:t>
+            </a:r>
+            <a:r>
+              <a:rPr lang="en-US" altLang="ko-KR" sz="1600" dirty="0">
+                <a:latin typeface="+mn-ea"/>
+              </a:rPr>
+              <a:t>,</a:t>
+            </a:r>
+          </a:p>
+          <a:p>
+            <a:pPr algn="l"/>
+            <a:r>
+              <a:rPr lang="ko-KR" altLang="en-US" sz="1600" dirty="0">
+                <a:latin typeface="+mn-ea"/>
+              </a:rPr>
+              <a:t>다음과 같이 </a:t>
+            </a:r>
+            <a:r>
+              <a:rPr lang="en-US" altLang="ko-KR" sz="1600" dirty="0">
+                <a:latin typeface="+mn-ea"/>
+              </a:rPr>
+              <a:t>OTP</a:t>
+            </a:r>
+            <a:r>
+              <a:rPr lang="ko-KR" altLang="en-US" sz="1600" dirty="0">
+                <a:latin typeface="+mn-ea"/>
+              </a:rPr>
+              <a:t>를 입력할 수 있습니다</a:t>
+            </a:r>
+            <a:r>
+              <a:rPr lang="en-US" altLang="ko-KR" sz="1600" dirty="0">
+                <a:latin typeface="+mn-ea"/>
+              </a:rPr>
+              <a:t>.</a:t>
+            </a:r>
+          </a:p>
+        </p:txBody>
+      </p:sp>
+      <p:grpSp>
+        <p:nvGrpSpPr>
+          <p:cNvPr id="17" name="그룹 16">
+            <a:extLst>
+              <a:ext uri="{FF2B5EF4-FFF2-40B4-BE49-F238E27FC236}">
+                <a16:creationId xmlns:a16="http://schemas.microsoft.com/office/drawing/2014/main" id="{36589989-5F5A-4310-877C-CF624C13E356}"/>
+              </a:ext>
+            </a:extLst>
+          </p:cNvPr>
+          <p:cNvGrpSpPr>
+            <a:grpSpLocks noChangeAspect="1"/>
+          </p:cNvGrpSpPr>
+          <p:nvPr/>
+        </p:nvGrpSpPr>
+        <p:grpSpPr>
+          <a:xfrm>
+            <a:off x="471488" y="5844869"/>
+            <a:ext cx="2880000" cy="2258823"/>
+            <a:chOff x="1326072" y="2370519"/>
+            <a:chExt cx="3886742" cy="3048425"/>
+          </a:xfrm>
+        </p:grpSpPr>
+        <p:pic>
+          <p:nvPicPr>
+            <p:cNvPr id="20" name="그림 19">
+              <a:extLst>
+                <a:ext uri="{FF2B5EF4-FFF2-40B4-BE49-F238E27FC236}">
+                  <a16:creationId xmlns:a16="http://schemas.microsoft.com/office/drawing/2014/main" id="{F6A2658F-DD6F-4AF1-9C13-9C08B357F5E6}"/>
+                </a:ext>
+              </a:extLst>
+            </p:cNvPr>
+            <p:cNvPicPr>
+              <a:picLocks noChangeAspect="1"/>
+            </p:cNvPicPr>
+            <p:nvPr/>
+          </p:nvPicPr>
+          <p:blipFill>
+            <a:blip r:embed="rId2">
+              <a:extLst>
+                <a:ext uri="{BEBA8EAE-BF5A-486C-A8C5-ECC9F3942E4B}">
+                  <a14:imgProps xmlns:a14="http://schemas.microsoft.com/office/drawing/2010/main">
+                    <a14:imgLayer r:embed="rId7">
+                      <a14:imgEffect>
+                        <a14:artisticBlur radius="4"/>
+                      </a14:imgEffect>
+                    </a14:imgLayer>
+                  </a14:imgProps>
+                </a:ext>
+              </a:extLst>
+            </a:blip>
+            <a:stretch>
+              <a:fillRect/>
+            </a:stretch>
+          </p:blipFill>
+          <p:spPr>
+            <a:xfrm>
+              <a:off x="1326072" y="2370519"/>
+              <a:ext cx="3886742" cy="3048425"/>
+            </a:xfrm>
+            <a:prstGeom prst="rect">
+              <a:avLst/>
+            </a:prstGeom>
+          </p:spPr>
+        </p:pic>
+        <p:pic>
+          <p:nvPicPr>
+            <p:cNvPr id="21" name="그림 20">
+              <a:extLst>
+                <a:ext uri="{FF2B5EF4-FFF2-40B4-BE49-F238E27FC236}">
+                  <a16:creationId xmlns:a16="http://schemas.microsoft.com/office/drawing/2014/main" id="{DFE22B88-5EB6-4177-A8AC-B6EF427C8BE9}"/>
+                </a:ext>
+              </a:extLst>
+            </p:cNvPr>
+            <p:cNvPicPr>
+              <a:picLocks noChangeAspect="1"/>
+            </p:cNvPicPr>
+            <p:nvPr/>
+          </p:nvPicPr>
+          <p:blipFill rotWithShape="1">
+            <a:blip r:embed="rId4"/>
+            <a:srcRect l="73678" t="33124" r="15137" b="26800"/>
+            <a:stretch/>
+          </p:blipFill>
+          <p:spPr>
+            <a:xfrm>
+              <a:off x="4189750" y="3380282"/>
+              <a:ext cx="434715" cy="1221698"/>
+            </a:xfrm>
+            <a:prstGeom prst="rect">
+              <a:avLst/>
+            </a:prstGeom>
+          </p:spPr>
+        </p:pic>
+        <p:sp>
+          <p:nvSpPr>
+            <p:cNvPr id="22" name="직사각형 21">
+              <a:extLst>
+                <a:ext uri="{FF2B5EF4-FFF2-40B4-BE49-F238E27FC236}">
+                  <a16:creationId xmlns:a16="http://schemas.microsoft.com/office/drawing/2014/main" id="{28D13F7C-D3E0-4A46-92F4-8EEEB208BADD}"/>
+                </a:ext>
+              </a:extLst>
+            </p:cNvPr>
+            <p:cNvSpPr/>
+            <p:nvPr/>
+          </p:nvSpPr>
+          <p:spPr>
+            <a:xfrm>
+              <a:off x="4189750" y="3382740"/>
+              <a:ext cx="434715" cy="1219240"/>
+            </a:xfrm>
+            <a:prstGeom prst="rect">
+              <a:avLst/>
+            </a:prstGeom>
+            <a:noFill/>
+            <a:ln>
+              <a:solidFill>
+                <a:srgbClr val="FF0000"/>
+              </a:solidFill>
+            </a:ln>
+          </p:spPr>
+          <p:style>
+            <a:lnRef idx="2">
+              <a:schemeClr val="accent1">
+                <a:shade val="50000"/>
+              </a:schemeClr>
+            </a:lnRef>
+            <a:fillRef idx="1">
+              <a:schemeClr val="accent1"/>
+            </a:fillRef>
+            <a:effectRef idx="0">
+              <a:schemeClr val="accent1"/>
+            </a:effectRef>
+            <a:fontRef idx="minor">
+              <a:schemeClr val="lt1"/>
+            </a:fontRef>
+          </p:style>
+          <p:txBody>
+            <a:bodyPr rtlCol="0" anchor="ctr"/>
+            <a:lstStyle/>
+            <a:p>
+              <a:pPr algn="ctr"/>
+              <a:endParaRPr lang="ko-KR" altLang="en-US"/>
+            </a:p>
+          </p:txBody>
+        </p:sp>
+      </p:grpSp>
+      <p:sp>
+        <p:nvSpPr>
+          <p:cNvPr id="23" name="TextBox 22">
+            <a:extLst>
+              <a:ext uri="{FF2B5EF4-FFF2-40B4-BE49-F238E27FC236}">
+                <a16:creationId xmlns:a16="http://schemas.microsoft.com/office/drawing/2014/main" id="{CAFD8A57-9AF2-442E-B99C-375B851F9C27}"/>
+              </a:ext>
+            </a:extLst>
+          </p:cNvPr>
+          <p:cNvSpPr txBox="1"/>
+          <p:nvPr/>
+        </p:nvSpPr>
+        <p:spPr>
+          <a:xfrm>
+            <a:off x="3619446" y="5844869"/>
+            <a:ext cx="2836033" cy="1077218"/>
+          </a:xfrm>
+          <a:prstGeom prst="rect">
+            <a:avLst/>
+          </a:prstGeom>
+          <a:noFill/>
+        </p:spPr>
+        <p:txBody>
+          <a:bodyPr wrap="none" rtlCol="0">
+            <a:spAutoFit/>
+          </a:bodyPr>
+          <a:lstStyle/>
+          <a:p>
+            <a:pPr algn="l"/>
+            <a:r>
+              <a:rPr lang="ko-KR" altLang="en-US" sz="1600" dirty="0">
+                <a:latin typeface="+mn-ea"/>
+              </a:rPr>
+              <a:t>검색 보상 수령 버튼입니다</a:t>
+            </a:r>
+            <a:r>
+              <a:rPr lang="en-US" altLang="ko-KR" sz="1600" dirty="0">
+                <a:latin typeface="+mn-ea"/>
+              </a:rPr>
+              <a:t>.</a:t>
+            </a:r>
+          </a:p>
+          <a:p>
+            <a:pPr algn="l"/>
+            <a:endParaRPr lang="en-US" altLang="ko-KR" sz="1600" dirty="0">
+              <a:latin typeface="+mn-ea"/>
+            </a:endParaRPr>
+          </a:p>
+          <a:p>
+            <a:pPr algn="l"/>
+            <a:r>
+              <a:rPr lang="ko-KR" altLang="en-US" sz="1600" dirty="0">
+                <a:latin typeface="+mn-ea"/>
+              </a:rPr>
+              <a:t>사통팔달</a:t>
+            </a:r>
+            <a:r>
+              <a:rPr lang="en-US" altLang="ko-KR" sz="1600" dirty="0">
+                <a:latin typeface="+mn-ea"/>
+              </a:rPr>
+              <a:t>, </a:t>
+            </a:r>
+            <a:r>
+              <a:rPr lang="ko-KR" altLang="en-US" sz="1600" dirty="0">
+                <a:latin typeface="+mn-ea"/>
+              </a:rPr>
+              <a:t>대전귀환서 등</a:t>
+            </a:r>
+            <a:endParaRPr lang="en-US" altLang="ko-KR" sz="1600" dirty="0">
+              <a:latin typeface="+mn-ea"/>
+            </a:endParaRPr>
+          </a:p>
+          <a:p>
+            <a:pPr algn="l"/>
+            <a:r>
+              <a:rPr lang="ko-KR" altLang="en-US" sz="1600" dirty="0">
+                <a:latin typeface="+mn-ea"/>
+              </a:rPr>
+              <a:t>검색보상을 수령 가능합니다</a:t>
+            </a:r>
+            <a:r>
+              <a:rPr lang="en-US" altLang="ko-KR" sz="1600" dirty="0">
+                <a:latin typeface="+mn-ea"/>
+              </a:rPr>
+              <a:t>.</a:t>
+            </a:r>
+          </a:p>
+        </p:txBody>
+      </p:sp>
+    </p:spTree>
+    <p:extLst>
+      <p:ext uri="{BB962C8B-B14F-4D97-AF65-F5344CB8AC3E}">
+        <p14:creationId xmlns:p14="http://schemas.microsoft.com/office/powerpoint/2010/main" val="2304879305"/>
+      </p:ext>
+    </p:extLst>
+  </p:cSld>
+  <p:clrMapOvr>
+    <a:masterClrMapping/>
+  </p:clrMapOvr>
+</p:sld>
+</file>
+
+<file path=ppt/slides/slide11.xml><?xml version="1.0" encoding="utf-8"?>
+<p:sld xmlns:a="http://schemas.openxmlformats.org/drawingml/2006/main" xmlns:r="http://schemas.openxmlformats.org/officeDocument/2006/relationships" xmlns:p="http://schemas.openxmlformats.org/presentationml/2006/main">
+  <p:cSld>
+    <p:spTree>
+      <p:nvGrpSpPr>
+        <p:cNvPr id="1" name=""/>
+        <p:cNvGrpSpPr/>
+        <p:nvPr/>
+      </p:nvGrpSpPr>
+      <p:grpSpPr>
+        <a:xfrm>
+          <a:off x="0" y="0"/>
+          <a:ext cx="0" cy="0"/>
+          <a:chOff x="0" y="0"/>
+          <a:chExt cx="0" cy="0"/>
+        </a:xfrm>
+      </p:grpSpPr>
+      <p:sp>
+        <p:nvSpPr>
+          <p:cNvPr id="2" name="제목 1">
+            <a:extLst>
+              <a:ext uri="{FF2B5EF4-FFF2-40B4-BE49-F238E27FC236}">
+                <a16:creationId xmlns:a16="http://schemas.microsoft.com/office/drawing/2014/main" id="{753EC37A-1969-4436-B1CE-E92D20C906DB}"/>
+              </a:ext>
+            </a:extLst>
+          </p:cNvPr>
+          <p:cNvSpPr>
+            <a:spLocks noGrp="1"/>
+          </p:cNvSpPr>
+          <p:nvPr>
+            <p:ph type="title"/>
+          </p:nvPr>
+        </p:nvSpPr>
+        <p:spPr/>
+        <p:txBody>
+          <a:bodyPr/>
+          <a:lstStyle/>
+          <a:p>
+            <a:r>
+              <a:rPr lang="ko-KR" altLang="en-US" dirty="0"/>
+              <a:t>메인 화면</a:t>
+            </a:r>
+          </a:p>
+        </p:txBody>
+      </p:sp>
+      <p:grpSp>
+        <p:nvGrpSpPr>
           <p:cNvPr id="6" name="그룹 5">
             <a:extLst>
               <a:ext uri="{FF2B5EF4-FFF2-40B4-BE49-F238E27FC236}">
@@ -3599,7 +4301,7 @@
             <a:fld id="{10AB311C-6AC6-403F-922F-D49D21731A5D}" type="slidenum">
               <a:rPr lang="ko-KR" altLang="en-US" smtClean="0"/>
               <a:pPr/>
-              <a:t>10</a:t>
+              <a:t>11</a:t>
             </a:fld>
             <a:endParaRPr lang="ko-KR" altLang="en-US"/>
           </a:p>
@@ -4214,7 +4916,7 @@
 </p:sld>
 </file>
 
-<file path=ppt/slides/slide11.xml><?xml version="1.0" encoding="utf-8"?>
+<file path=ppt/slides/slide12.xml><?xml version="1.0" encoding="utf-8"?>
 <p:sld xmlns:a="http://schemas.openxmlformats.org/drawingml/2006/main" xmlns:r="http://schemas.openxmlformats.org/officeDocument/2006/relationships" xmlns:p="http://schemas.openxmlformats.org/presentationml/2006/main">
   <p:cSld>
     <p:spTree>
@@ -4313,7 +5015,7 @@
             <a:fld id="{10AB311C-6AC6-403F-922F-D49D21731A5D}" type="slidenum">
               <a:rPr lang="ko-KR" altLang="en-US" smtClean="0"/>
               <a:pPr/>
-              <a:t>11</a:t>
+              <a:t>12</a:t>
             </a:fld>
             <a:endParaRPr lang="ko-KR" altLang="en-US" dirty="0"/>
           </a:p>
@@ -5116,7 +5818,7 @@
 </p:sld>
 </file>
 
-<file path=ppt/slides/slide12.xml><?xml version="1.0" encoding="utf-8"?>
+<file path=ppt/slides/slide13.xml><?xml version="1.0" encoding="utf-8"?>
 <p:sld xmlns:a="http://schemas.openxmlformats.org/drawingml/2006/main" xmlns:r="http://schemas.openxmlformats.org/officeDocument/2006/relationships" xmlns:p="http://schemas.openxmlformats.org/presentationml/2006/main">
   <p:cSld>
     <p:spTree>
@@ -5331,7 +6033,7 @@
             <a:fld id="{10AB311C-6AC6-403F-922F-D49D21731A5D}" type="slidenum">
               <a:rPr lang="ko-KR" altLang="en-US" smtClean="0"/>
               <a:pPr/>
-              <a:t>12</a:t>
+              <a:t>13</a:t>
             </a:fld>
             <a:endParaRPr lang="ko-KR" altLang="en-US"/>
           </a:p>
@@ -5732,7 +6434,7 @@
 </p:sld>
 </file>
 
-<file path=ppt/slides/slide13.xml><?xml version="1.0" encoding="utf-8"?>
+<file path=ppt/slides/slide14.xml><?xml version="1.0" encoding="utf-8"?>
 <p:sld xmlns:a="http://schemas.openxmlformats.org/drawingml/2006/main" xmlns:r="http://schemas.openxmlformats.org/officeDocument/2006/relationships" xmlns:p="http://schemas.openxmlformats.org/presentationml/2006/main">
   <p:cSld>
     <p:spTree>
@@ -5947,7 +6649,7 @@
             <a:fld id="{10AB311C-6AC6-403F-922F-D49D21731A5D}" type="slidenum">
               <a:rPr lang="ko-KR" altLang="en-US" smtClean="0"/>
               <a:pPr/>
-              <a:t>13</a:t>
+              <a:t>14</a:t>
             </a:fld>
             <a:endParaRPr lang="ko-KR" altLang="en-US"/>
           </a:p>
@@ -6371,7 +7073,7 @@
 </p:sld>
 </file>
 
-<file path=ppt/slides/slide14.xml><?xml version="1.0" encoding="utf-8"?>
+<file path=ppt/slides/slide15.xml><?xml version="1.0" encoding="utf-8"?>
 <p:sld xmlns:a="http://schemas.openxmlformats.org/drawingml/2006/main" xmlns:r="http://schemas.openxmlformats.org/officeDocument/2006/relationships" xmlns:p="http://schemas.openxmlformats.org/presentationml/2006/main">
   <p:cSld>
     <p:bg>
@@ -6631,7 +7333,7 @@
 </p:sld>
 </file>
 
-<file path=ppt/slides/slide15.xml><?xml version="1.0" encoding="utf-8"?>
+<file path=ppt/slides/slide16.xml><?xml version="1.0" encoding="utf-8"?>
 <p:sld xmlns:a="http://schemas.openxmlformats.org/drawingml/2006/main" xmlns:r="http://schemas.openxmlformats.org/officeDocument/2006/relationships" xmlns:p="http://schemas.openxmlformats.org/presentationml/2006/main">
   <p:cSld>
     <p:spTree>
@@ -6846,7 +7548,7 @@
             <a:fld id="{10AB311C-6AC6-403F-922F-D49D21731A5D}" type="slidenum">
               <a:rPr lang="ko-KR" altLang="en-US" smtClean="0"/>
               <a:pPr/>
-              <a:t>15</a:t>
+              <a:t>16</a:t>
             </a:fld>
             <a:endParaRPr lang="ko-KR" altLang="en-US"/>
           </a:p>
@@ -7243,7 +7945,7 @@
 </p:sld>
 </file>
 
-<file path=ppt/slides/slide16.xml><?xml version="1.0" encoding="utf-8"?>
+<file path=ppt/slides/slide17.xml><?xml version="1.0" encoding="utf-8"?>
 <p:sld xmlns:a="http://schemas.openxmlformats.org/drawingml/2006/main" xmlns:r="http://schemas.openxmlformats.org/officeDocument/2006/relationships" xmlns:p="http://schemas.openxmlformats.org/presentationml/2006/main">
   <p:cSld>
     <p:spTree>
@@ -7488,7 +8190,7 @@
             <a:fld id="{10AB311C-6AC6-403F-922F-D49D21731A5D}" type="slidenum">
               <a:rPr lang="ko-KR" altLang="en-US" smtClean="0"/>
               <a:pPr/>
-              <a:t>16</a:t>
+              <a:t>17</a:t>
             </a:fld>
             <a:endParaRPr lang="ko-KR" altLang="en-US"/>
           </a:p>
@@ -7745,7 +8447,7 @@
 </p:sld>
 </file>
 
-<file path=ppt/slides/slide17.xml><?xml version="1.0" encoding="utf-8"?>
+<file path=ppt/slides/slide18.xml><?xml version="1.0" encoding="utf-8"?>
 <p:sld xmlns:a="http://schemas.openxmlformats.org/drawingml/2006/main" xmlns:r="http://schemas.openxmlformats.org/officeDocument/2006/relationships" xmlns:p="http://schemas.openxmlformats.org/presentationml/2006/main">
   <p:cSld>
     <p:spTree>
@@ -7960,7 +8662,7 @@
             <a:fld id="{10AB311C-6AC6-403F-922F-D49D21731A5D}" type="slidenum">
               <a:rPr lang="ko-KR" altLang="en-US" smtClean="0"/>
               <a:pPr/>
-              <a:t>17</a:t>
+              <a:t>18</a:t>
             </a:fld>
             <a:endParaRPr lang="ko-KR" altLang="en-US"/>
           </a:p>
@@ -8439,7 +9141,7 @@
 </p:sld>
 </file>
 
-<file path=ppt/slides/slide18.xml><?xml version="1.0" encoding="utf-8"?>
+<file path=ppt/slides/slide19.xml><?xml version="1.0" encoding="utf-8"?>
 <p:sld xmlns:a="http://schemas.openxmlformats.org/drawingml/2006/main" xmlns:r="http://schemas.openxmlformats.org/officeDocument/2006/relationships" xmlns:p="http://schemas.openxmlformats.org/presentationml/2006/main">
   <p:cSld>
     <p:bg>
@@ -8684,7 +9386,102 @@
 </p:sld>
 </file>
 
-<file path=ppt/slides/slide19.xml><?xml version="1.0" encoding="utf-8"?>
+<file path=ppt/slides/slide2.xml><?xml version="1.0" encoding="utf-8"?>
+<p:sld xmlns:a="http://schemas.openxmlformats.org/drawingml/2006/main" xmlns:r="http://schemas.openxmlformats.org/officeDocument/2006/relationships" xmlns:p="http://schemas.openxmlformats.org/presentationml/2006/main">
+  <p:cSld>
+    <p:spTree>
+      <p:nvGrpSpPr>
+        <p:cNvPr id="1" name=""/>
+        <p:cNvGrpSpPr/>
+        <p:nvPr/>
+      </p:nvGrpSpPr>
+      <p:grpSpPr>
+        <a:xfrm>
+          <a:off x="0" y="0"/>
+          <a:ext cx="0" cy="0"/>
+          <a:chOff x="0" y="0"/>
+          <a:chExt cx="0" cy="0"/>
+        </a:xfrm>
+      </p:grpSpPr>
+      <p:sp>
+        <p:nvSpPr>
+          <p:cNvPr id="4" name="슬라이드 번호 개체 틀 3">
+            <a:extLst>
+              <a:ext uri="{FF2B5EF4-FFF2-40B4-BE49-F238E27FC236}">
+                <a16:creationId xmlns:a16="http://schemas.microsoft.com/office/drawing/2014/main" id="{0301C229-5AED-9CE0-795C-7CCF91A6939C}"/>
+              </a:ext>
+            </a:extLst>
+          </p:cNvPr>
+          <p:cNvSpPr>
+            <a:spLocks noGrp="1"/>
+          </p:cNvSpPr>
+          <p:nvPr>
+            <p:ph type="sldNum" sz="quarter" idx="12"/>
+          </p:nvPr>
+        </p:nvSpPr>
+        <p:spPr/>
+        <p:txBody>
+          <a:bodyPr/>
+          <a:lstStyle/>
+          <a:p>
+            <a:fld id="{10AB311C-6AC6-403F-922F-D49D21731A5D}" type="slidenum">
+              <a:rPr lang="ko-KR" altLang="en-US" smtClean="0"/>
+              <a:pPr/>
+              <a:t>2</a:t>
+            </a:fld>
+            <a:endParaRPr lang="ko-KR" altLang="en-US"/>
+          </a:p>
+        </p:txBody>
+      </p:sp>
+      <p:pic>
+        <p:nvPicPr>
+          <p:cNvPr id="18" name="그림 17">
+            <a:extLst>
+              <a:ext uri="{FF2B5EF4-FFF2-40B4-BE49-F238E27FC236}">
+                <a16:creationId xmlns:a16="http://schemas.microsoft.com/office/drawing/2014/main" id="{41C53F8D-C1ED-D4A7-F04F-38C4AFFFDA57}"/>
+              </a:ext>
+            </a:extLst>
+          </p:cNvPr>
+          <p:cNvPicPr>
+            <a:picLocks noChangeAspect="1"/>
+          </p:cNvPicPr>
+          <p:nvPr/>
+        </p:nvPicPr>
+        <p:blipFill>
+          <a:blip r:embed="rId2"/>
+          <a:stretch>
+            <a:fillRect/>
+          </a:stretch>
+        </p:blipFill>
+        <p:spPr>
+          <a:xfrm>
+            <a:off x="0" y="1026700"/>
+            <a:ext cx="6858000" cy="7852599"/>
+          </a:xfrm>
+          <a:prstGeom prst="rect">
+            <a:avLst/>
+          </a:prstGeom>
+          <a:ln>
+            <a:solidFill>
+              <a:schemeClr val="tx1"/>
+            </a:solidFill>
+          </a:ln>
+        </p:spPr>
+      </p:pic>
+    </p:spTree>
+    <p:extLst>
+      <p:ext uri="{BB962C8B-B14F-4D97-AF65-F5344CB8AC3E}">
+        <p14:creationId xmlns:p14="http://schemas.microsoft.com/office/powerpoint/2010/main" val="2432463991"/>
+      </p:ext>
+    </p:extLst>
+  </p:cSld>
+  <p:clrMapOvr>
+    <a:masterClrMapping/>
+  </p:clrMapOvr>
+</p:sld>
+</file>
+
+<file path=ppt/slides/slide20.xml><?xml version="1.0" encoding="utf-8"?>
 <p:sld xmlns:a="http://schemas.openxmlformats.org/drawingml/2006/main" xmlns:r="http://schemas.openxmlformats.org/officeDocument/2006/relationships" xmlns:p="http://schemas.openxmlformats.org/presentationml/2006/main">
   <p:cSld>
     <p:spTree>
@@ -8899,7 +9696,7 @@
             <a:fld id="{10AB311C-6AC6-403F-922F-D49D21731A5D}" type="slidenum">
               <a:rPr lang="ko-KR" altLang="en-US" smtClean="0"/>
               <a:pPr/>
-              <a:t>19</a:t>
+              <a:t>20</a:t>
             </a:fld>
             <a:endParaRPr lang="ko-KR" altLang="en-US"/>
           </a:p>
@@ -9356,207 +10153,7 @@
 </p:sld>
 </file>
 
-<file path=ppt/slides/slide2.xml><?xml version="1.0" encoding="utf-8"?>
-<p:sld xmlns:a="http://schemas.openxmlformats.org/drawingml/2006/main" xmlns:r="http://schemas.openxmlformats.org/officeDocument/2006/relationships" xmlns:p="http://schemas.openxmlformats.org/presentationml/2006/main">
-  <p:cSld>
-    <p:spTree>
-      <p:nvGrpSpPr>
-        <p:cNvPr id="1" name=""/>
-        <p:cNvGrpSpPr/>
-        <p:nvPr/>
-      </p:nvGrpSpPr>
-      <p:grpSpPr>
-        <a:xfrm>
-          <a:off x="0" y="0"/>
-          <a:ext cx="0" cy="0"/>
-          <a:chOff x="0" y="0"/>
-          <a:chExt cx="0" cy="0"/>
-        </a:xfrm>
-      </p:grpSpPr>
-      <p:sp>
-        <p:nvSpPr>
-          <p:cNvPr id="2" name="제목 1">
-            <a:extLst>
-              <a:ext uri="{FF2B5EF4-FFF2-40B4-BE49-F238E27FC236}">
-                <a16:creationId xmlns:a16="http://schemas.microsoft.com/office/drawing/2014/main" id="{27410F7D-5EF2-4701-99D1-F3EA71C1DA51}"/>
-              </a:ext>
-            </a:extLst>
-          </p:cNvPr>
-          <p:cNvSpPr>
-            <a:spLocks noGrp="1"/>
-          </p:cNvSpPr>
-          <p:nvPr>
-            <p:ph type="title"/>
-          </p:nvPr>
-        </p:nvSpPr>
-        <p:spPr/>
-        <p:txBody>
-          <a:bodyPr/>
-          <a:lstStyle/>
-          <a:p>
-            <a:r>
-              <a:rPr lang="ko-KR" altLang="en-US" dirty="0"/>
-              <a:t>목차</a:t>
-            </a:r>
-          </a:p>
-        </p:txBody>
-      </p:sp>
-      <p:sp>
-        <p:nvSpPr>
-          <p:cNvPr id="3" name="내용 개체 틀 2">
-            <a:extLst>
-              <a:ext uri="{FF2B5EF4-FFF2-40B4-BE49-F238E27FC236}">
-                <a16:creationId xmlns:a16="http://schemas.microsoft.com/office/drawing/2014/main" id="{E3E8AB3A-B2F7-4844-9340-8575ABAF849B}"/>
-              </a:ext>
-            </a:extLst>
-          </p:cNvPr>
-          <p:cNvSpPr>
-            <a:spLocks noGrp="1"/>
-          </p:cNvSpPr>
-          <p:nvPr>
-            <p:ph idx="1"/>
-          </p:nvPr>
-        </p:nvSpPr>
-        <p:spPr/>
-        <p:txBody>
-          <a:bodyPr/>
-          <a:lstStyle/>
-          <a:p>
-            <a:r>
-              <a:rPr lang="ko-KR" altLang="en-US" dirty="0">
-                <a:hlinkClick r:id="rId2" action="ppaction://hlinksldjump"/>
-              </a:rPr>
-              <a:t>설치 방법</a:t>
-            </a:r>
-            <a:endParaRPr lang="en-US" altLang="ko-KR" dirty="0"/>
-          </a:p>
-          <a:p>
-            <a:endParaRPr lang="en-US" altLang="ko-KR" dirty="0"/>
-          </a:p>
-          <a:p>
-            <a:r>
-              <a:rPr lang="ko-KR" altLang="en-US" dirty="0">
-                <a:hlinkClick r:id="rId3" action="ppaction://hlinksldjump"/>
-              </a:rPr>
-              <a:t>메인 화면</a:t>
-            </a:r>
-            <a:endParaRPr lang="en-US" altLang="ko-KR" dirty="0"/>
-          </a:p>
-          <a:p>
-            <a:endParaRPr lang="en-US" altLang="ko-KR" dirty="0"/>
-          </a:p>
-          <a:p>
-            <a:r>
-              <a:rPr lang="ko-KR" altLang="en-US" dirty="0">
-                <a:hlinkClick r:id="rId4" action="ppaction://hlinksldjump"/>
-              </a:rPr>
-              <a:t>계정 설정 화면</a:t>
-            </a:r>
-            <a:endParaRPr lang="en-US" altLang="ko-KR" dirty="0"/>
-          </a:p>
-          <a:p>
-            <a:endParaRPr lang="en-US" altLang="ko-KR" dirty="0"/>
-          </a:p>
-          <a:p>
-            <a:r>
-              <a:rPr lang="ko-KR" altLang="en-US" dirty="0">
-                <a:hlinkClick r:id="rId5" action="ppaction://hlinksldjump"/>
-              </a:rPr>
-              <a:t>클라이언트 설정 화면</a:t>
-            </a:r>
-            <a:endParaRPr lang="en-US" altLang="ko-KR" dirty="0"/>
-          </a:p>
-          <a:p>
-            <a:endParaRPr lang="en-US" altLang="ko-KR" dirty="0"/>
-          </a:p>
-          <a:p>
-            <a:r>
-              <a:rPr lang="ko-KR" altLang="en-US" dirty="0">
-                <a:hlinkClick r:id="rId6" action="ppaction://hlinksldjump"/>
-              </a:rPr>
-              <a:t>나만의 바로가기 설정 화면</a:t>
-            </a:r>
-            <a:endParaRPr lang="en-US" altLang="ko-KR" dirty="0"/>
-          </a:p>
-          <a:p>
-            <a:endParaRPr lang="en-US" altLang="ko-KR" dirty="0"/>
-          </a:p>
-          <a:p>
-            <a:r>
-              <a:rPr lang="ko-KR" altLang="en-US" dirty="0">
-                <a:hlinkClick r:id="rId7" action="ppaction://hlinksldjump"/>
-              </a:rPr>
-              <a:t>고급 설정 화면</a:t>
-            </a:r>
-            <a:endParaRPr lang="en-US" altLang="ko-KR" dirty="0"/>
-          </a:p>
-          <a:p>
-            <a:endParaRPr lang="en-US" altLang="ko-KR" dirty="0"/>
-          </a:p>
-          <a:p>
-            <a:r>
-              <a:rPr lang="ko-KR" altLang="en-US" dirty="0">
-                <a:hlinkClick r:id="rId8" action="ppaction://hlinksldjump"/>
-              </a:rPr>
-              <a:t>문의 방법</a:t>
-            </a:r>
-            <a:endParaRPr lang="en-US" altLang="ko-KR" dirty="0"/>
-          </a:p>
-          <a:p>
-            <a:endParaRPr lang="en-US" altLang="ko-KR" dirty="0"/>
-          </a:p>
-          <a:p>
-            <a:r>
-              <a:rPr lang="ko-KR" altLang="en-US" dirty="0"/>
-              <a:t>각종 오류</a:t>
-            </a:r>
-          </a:p>
-        </p:txBody>
-      </p:sp>
-      <p:sp>
-        <p:nvSpPr>
-          <p:cNvPr id="4" name="슬라이드 번호 개체 틀 3">
-            <a:extLst>
-              <a:ext uri="{FF2B5EF4-FFF2-40B4-BE49-F238E27FC236}">
-                <a16:creationId xmlns:a16="http://schemas.microsoft.com/office/drawing/2014/main" id="{C4175307-FD64-4C71-B24D-4FCD9162EFEB}"/>
-              </a:ext>
-            </a:extLst>
-          </p:cNvPr>
-          <p:cNvSpPr>
-            <a:spLocks noGrp="1"/>
-          </p:cNvSpPr>
-          <p:nvPr>
-            <p:ph type="sldNum" sz="quarter" idx="12"/>
-          </p:nvPr>
-        </p:nvSpPr>
-        <p:spPr/>
-        <p:txBody>
-          <a:bodyPr/>
-          <a:lstStyle/>
-          <a:p>
-            <a:fld id="{10AB311C-6AC6-403F-922F-D49D21731A5D}" type="slidenum">
-              <a:rPr lang="ko-KR" altLang="en-US" smtClean="0"/>
-              <a:pPr/>
-              <a:t>2</a:t>
-            </a:fld>
-            <a:endParaRPr lang="ko-KR" altLang="en-US"/>
-          </a:p>
-        </p:txBody>
-      </p:sp>
-    </p:spTree>
-    <p:extLst>
-      <p:ext uri="{BB962C8B-B14F-4D97-AF65-F5344CB8AC3E}">
-        <p14:creationId xmlns:p14="http://schemas.microsoft.com/office/powerpoint/2010/main" val="1326372039"/>
-      </p:ext>
-    </p:extLst>
-  </p:cSld>
-  <p:clrMapOvr>
-    <a:masterClrMapping/>
-  </p:clrMapOvr>
-</p:sld>
-</file>
-
-<file path=ppt/slides/slide20.xml><?xml version="1.0" encoding="utf-8"?>
+<file path=ppt/slides/slide21.xml><?xml version="1.0" encoding="utf-8"?>
 <p:sld xmlns:a="http://schemas.openxmlformats.org/drawingml/2006/main" xmlns:r="http://schemas.openxmlformats.org/officeDocument/2006/relationships" xmlns:p="http://schemas.openxmlformats.org/presentationml/2006/main">
   <p:cSld>
     <p:spTree>
@@ -9852,7 +10449,7 @@
             <a:fld id="{10AB311C-6AC6-403F-922F-D49D21731A5D}" type="slidenum">
               <a:rPr lang="ko-KR" altLang="en-US" smtClean="0"/>
               <a:pPr/>
-              <a:t>20</a:t>
+              <a:t>21</a:t>
             </a:fld>
             <a:endParaRPr lang="ko-KR" altLang="en-US"/>
           </a:p>
@@ -10410,7 +11007,7 @@
 </p:sld>
 </file>
 
-<file path=ppt/slides/slide21.xml><?xml version="1.0" encoding="utf-8"?>
+<file path=ppt/slides/slide22.xml><?xml version="1.0" encoding="utf-8"?>
 <p:sld xmlns:a="http://schemas.openxmlformats.org/drawingml/2006/main" xmlns:r="http://schemas.openxmlformats.org/officeDocument/2006/relationships" xmlns:p="http://schemas.openxmlformats.org/presentationml/2006/main">
   <p:cSld>
     <p:spTree>
@@ -10801,7 +11398,7 @@
             <a:fld id="{10AB311C-6AC6-403F-922F-D49D21731A5D}" type="slidenum">
               <a:rPr lang="ko-KR" altLang="en-US" smtClean="0"/>
               <a:pPr/>
-              <a:t>21</a:t>
+              <a:t>22</a:t>
             </a:fld>
             <a:endParaRPr lang="ko-KR" altLang="en-US"/>
           </a:p>
@@ -11331,7 +11928,7 @@
 </p:sld>
 </file>
 
-<file path=ppt/slides/slide22.xml><?xml version="1.0" encoding="utf-8"?>
+<file path=ppt/slides/slide23.xml><?xml version="1.0" encoding="utf-8"?>
 <p:sld xmlns:a="http://schemas.openxmlformats.org/drawingml/2006/main" xmlns:r="http://schemas.openxmlformats.org/officeDocument/2006/relationships" xmlns:p="http://schemas.openxmlformats.org/presentationml/2006/main">
   <p:cSld>
     <p:bg>
@@ -11591,7 +12188,7 @@
 </p:sld>
 </file>
 
-<file path=ppt/slides/slide23.xml><?xml version="1.0" encoding="utf-8"?>
+<file path=ppt/slides/slide24.xml><?xml version="1.0" encoding="utf-8"?>
 <p:sld xmlns:a="http://schemas.openxmlformats.org/drawingml/2006/main" xmlns:r="http://schemas.openxmlformats.org/officeDocument/2006/relationships" xmlns:p="http://schemas.openxmlformats.org/presentationml/2006/main">
   <p:cSld>
     <p:spTree>
@@ -11690,7 +12287,7 @@
             <a:fld id="{10AB311C-6AC6-403F-922F-D49D21731A5D}" type="slidenum">
               <a:rPr lang="ko-KR" altLang="en-US" smtClean="0"/>
               <a:pPr/>
-              <a:t>23</a:t>
+              <a:t>24</a:t>
             </a:fld>
             <a:endParaRPr lang="ko-KR" altLang="en-US"/>
           </a:p>
@@ -12306,7 +12903,7 @@
 </p:sld>
 </file>
 
-<file path=ppt/slides/slide24.xml><?xml version="1.0" encoding="utf-8"?>
+<file path=ppt/slides/slide25.xml><?xml version="1.0" encoding="utf-8"?>
 <p:sld xmlns:a="http://schemas.openxmlformats.org/drawingml/2006/main" xmlns:r="http://schemas.openxmlformats.org/officeDocument/2006/relationships" xmlns:p="http://schemas.openxmlformats.org/presentationml/2006/main">
   <p:cSld>
     <p:spTree>
@@ -12375,7 +12972,7 @@
             <a:fld id="{10AB311C-6AC6-403F-922F-D49D21731A5D}" type="slidenum">
               <a:rPr lang="ko-KR" altLang="en-US" smtClean="0"/>
               <a:pPr/>
-              <a:t>24</a:t>
+              <a:t>25</a:t>
             </a:fld>
             <a:endParaRPr lang="ko-KR" altLang="en-US"/>
           </a:p>
@@ -13077,7 +13674,7 @@
 </p:sld>
 </file>
 
-<file path=ppt/slides/slide25.xml><?xml version="1.0" encoding="utf-8"?>
+<file path=ppt/slides/slide26.xml><?xml version="1.0" encoding="utf-8"?>
 <p:sld xmlns:a="http://schemas.openxmlformats.org/drawingml/2006/main" xmlns:r="http://schemas.openxmlformats.org/officeDocument/2006/relationships" xmlns:p="http://schemas.openxmlformats.org/presentationml/2006/main">
   <p:cSld>
     <p:bg>
@@ -13322,7 +13919,7 @@
 </p:sld>
 </file>
 
-<file path=ppt/slides/slide26.xml><?xml version="1.0" encoding="utf-8"?>
+<file path=ppt/slides/slide27.xml><?xml version="1.0" encoding="utf-8"?>
 <p:sld xmlns:a="http://schemas.openxmlformats.org/drawingml/2006/main" xmlns:r="http://schemas.openxmlformats.org/officeDocument/2006/relationships" xmlns:p="http://schemas.openxmlformats.org/presentationml/2006/main">
   <p:cSld>
     <p:spTree>
@@ -13421,7 +14018,7 @@
             <a:fld id="{10AB311C-6AC6-403F-922F-D49D21731A5D}" type="slidenum">
               <a:rPr lang="ko-KR" altLang="en-US" smtClean="0"/>
               <a:pPr/>
-              <a:t>26</a:t>
+              <a:t>27</a:t>
             </a:fld>
             <a:endParaRPr lang="ko-KR" altLang="en-US"/>
           </a:p>
@@ -13502,7 +14099,7 @@
 </p:sld>
 </file>
 
-<file path=ppt/slides/slide27.xml><?xml version="1.0" encoding="utf-8"?>
+<file path=ppt/slides/slide28.xml><?xml version="1.0" encoding="utf-8"?>
 <p:sld xmlns:a="http://schemas.openxmlformats.org/drawingml/2006/main" xmlns:r="http://schemas.openxmlformats.org/officeDocument/2006/relationships" xmlns:p="http://schemas.openxmlformats.org/presentationml/2006/main">
   <p:cSld>
     <p:bg>
@@ -13752,7 +14349,7 @@
 </p:sld>
 </file>
 
-<file path=ppt/slides/slide28.xml><?xml version="1.0" encoding="utf-8"?>
+<file path=ppt/slides/slide29.xml><?xml version="1.0" encoding="utf-8"?>
 <p:sld xmlns:a="http://schemas.openxmlformats.org/drawingml/2006/main" xmlns:r="http://schemas.openxmlformats.org/officeDocument/2006/relationships" xmlns:p="http://schemas.openxmlformats.org/presentationml/2006/main">
   <p:cSld>
     <p:spTree>
@@ -13821,7 +14418,7 @@
             <a:fld id="{10AB311C-6AC6-403F-922F-D49D21731A5D}" type="slidenum">
               <a:rPr lang="ko-KR" altLang="en-US" smtClean="0"/>
               <a:pPr/>
-              <a:t>28</a:t>
+              <a:t>29</a:t>
             </a:fld>
             <a:endParaRPr lang="ko-KR" altLang="en-US"/>
           </a:p>
@@ -14126,7 +14723,207 @@
 </p:sld>
 </file>
 
-<file path=ppt/slides/slide29.xml><?xml version="1.0" encoding="utf-8"?>
+<file path=ppt/slides/slide3.xml><?xml version="1.0" encoding="utf-8"?>
+<p:sld xmlns:a="http://schemas.openxmlformats.org/drawingml/2006/main" xmlns:r="http://schemas.openxmlformats.org/officeDocument/2006/relationships" xmlns:p="http://schemas.openxmlformats.org/presentationml/2006/main">
+  <p:cSld>
+    <p:spTree>
+      <p:nvGrpSpPr>
+        <p:cNvPr id="1" name=""/>
+        <p:cNvGrpSpPr/>
+        <p:nvPr/>
+      </p:nvGrpSpPr>
+      <p:grpSpPr>
+        <a:xfrm>
+          <a:off x="0" y="0"/>
+          <a:ext cx="0" cy="0"/>
+          <a:chOff x="0" y="0"/>
+          <a:chExt cx="0" cy="0"/>
+        </a:xfrm>
+      </p:grpSpPr>
+      <p:sp>
+        <p:nvSpPr>
+          <p:cNvPr id="2" name="제목 1">
+            <a:extLst>
+              <a:ext uri="{FF2B5EF4-FFF2-40B4-BE49-F238E27FC236}">
+                <a16:creationId xmlns:a16="http://schemas.microsoft.com/office/drawing/2014/main" id="{27410F7D-5EF2-4701-99D1-F3EA71C1DA51}"/>
+              </a:ext>
+            </a:extLst>
+          </p:cNvPr>
+          <p:cNvSpPr>
+            <a:spLocks noGrp="1"/>
+          </p:cNvSpPr>
+          <p:nvPr>
+            <p:ph type="title"/>
+          </p:nvPr>
+        </p:nvSpPr>
+        <p:spPr/>
+        <p:txBody>
+          <a:bodyPr/>
+          <a:lstStyle/>
+          <a:p>
+            <a:r>
+              <a:rPr lang="ko-KR" altLang="en-US" dirty="0"/>
+              <a:t>목차</a:t>
+            </a:r>
+          </a:p>
+        </p:txBody>
+      </p:sp>
+      <p:sp>
+        <p:nvSpPr>
+          <p:cNvPr id="3" name="내용 개체 틀 2">
+            <a:extLst>
+              <a:ext uri="{FF2B5EF4-FFF2-40B4-BE49-F238E27FC236}">
+                <a16:creationId xmlns:a16="http://schemas.microsoft.com/office/drawing/2014/main" id="{E3E8AB3A-B2F7-4844-9340-8575ABAF849B}"/>
+              </a:ext>
+            </a:extLst>
+          </p:cNvPr>
+          <p:cNvSpPr>
+            <a:spLocks noGrp="1"/>
+          </p:cNvSpPr>
+          <p:nvPr>
+            <p:ph idx="1"/>
+          </p:nvPr>
+        </p:nvSpPr>
+        <p:spPr/>
+        <p:txBody>
+          <a:bodyPr/>
+          <a:lstStyle/>
+          <a:p>
+            <a:r>
+              <a:rPr lang="ko-KR" altLang="en-US" dirty="0">
+                <a:hlinkClick r:id="rId2" action="ppaction://hlinksldjump"/>
+              </a:rPr>
+              <a:t>설치 방법</a:t>
+            </a:r>
+            <a:endParaRPr lang="en-US" altLang="ko-KR" dirty="0"/>
+          </a:p>
+          <a:p>
+            <a:endParaRPr lang="en-US" altLang="ko-KR" dirty="0"/>
+          </a:p>
+          <a:p>
+            <a:r>
+              <a:rPr lang="ko-KR" altLang="en-US" dirty="0">
+                <a:hlinkClick r:id="rId3" action="ppaction://hlinksldjump"/>
+              </a:rPr>
+              <a:t>메인 화면</a:t>
+            </a:r>
+            <a:endParaRPr lang="en-US" altLang="ko-KR" dirty="0"/>
+          </a:p>
+          <a:p>
+            <a:endParaRPr lang="en-US" altLang="ko-KR" dirty="0"/>
+          </a:p>
+          <a:p>
+            <a:r>
+              <a:rPr lang="ko-KR" altLang="en-US" dirty="0">
+                <a:hlinkClick r:id="rId4" action="ppaction://hlinksldjump"/>
+              </a:rPr>
+              <a:t>계정 설정 화면</a:t>
+            </a:r>
+            <a:endParaRPr lang="en-US" altLang="ko-KR" dirty="0"/>
+          </a:p>
+          <a:p>
+            <a:endParaRPr lang="en-US" altLang="ko-KR" dirty="0"/>
+          </a:p>
+          <a:p>
+            <a:r>
+              <a:rPr lang="ko-KR" altLang="en-US" dirty="0">
+                <a:hlinkClick r:id="rId5" action="ppaction://hlinksldjump"/>
+              </a:rPr>
+              <a:t>클라이언트 설정 화면</a:t>
+            </a:r>
+            <a:endParaRPr lang="en-US" altLang="ko-KR" dirty="0"/>
+          </a:p>
+          <a:p>
+            <a:endParaRPr lang="en-US" altLang="ko-KR" dirty="0"/>
+          </a:p>
+          <a:p>
+            <a:r>
+              <a:rPr lang="ko-KR" altLang="en-US" dirty="0">
+                <a:hlinkClick r:id="rId6" action="ppaction://hlinksldjump"/>
+              </a:rPr>
+              <a:t>나만의 바로가기 설정 화면</a:t>
+            </a:r>
+            <a:endParaRPr lang="en-US" altLang="ko-KR" dirty="0"/>
+          </a:p>
+          <a:p>
+            <a:endParaRPr lang="en-US" altLang="ko-KR" dirty="0"/>
+          </a:p>
+          <a:p>
+            <a:r>
+              <a:rPr lang="ko-KR" altLang="en-US" dirty="0">
+                <a:hlinkClick r:id="rId7" action="ppaction://hlinksldjump"/>
+              </a:rPr>
+              <a:t>고급 설정 화면</a:t>
+            </a:r>
+            <a:endParaRPr lang="en-US" altLang="ko-KR" dirty="0"/>
+          </a:p>
+          <a:p>
+            <a:endParaRPr lang="en-US" altLang="ko-KR" dirty="0"/>
+          </a:p>
+          <a:p>
+            <a:r>
+              <a:rPr lang="ko-KR" altLang="en-US" dirty="0">
+                <a:hlinkClick r:id="rId8" action="ppaction://hlinksldjump"/>
+              </a:rPr>
+              <a:t>문의 방법</a:t>
+            </a:r>
+            <a:endParaRPr lang="en-US" altLang="ko-KR" dirty="0"/>
+          </a:p>
+          <a:p>
+            <a:endParaRPr lang="en-US" altLang="ko-KR" dirty="0"/>
+          </a:p>
+          <a:p>
+            <a:r>
+              <a:rPr lang="ko-KR" altLang="en-US" dirty="0"/>
+              <a:t>각종 오류</a:t>
+            </a:r>
+          </a:p>
+        </p:txBody>
+      </p:sp>
+      <p:sp>
+        <p:nvSpPr>
+          <p:cNvPr id="4" name="슬라이드 번호 개체 틀 3">
+            <a:extLst>
+              <a:ext uri="{FF2B5EF4-FFF2-40B4-BE49-F238E27FC236}">
+                <a16:creationId xmlns:a16="http://schemas.microsoft.com/office/drawing/2014/main" id="{C4175307-FD64-4C71-B24D-4FCD9162EFEB}"/>
+              </a:ext>
+            </a:extLst>
+          </p:cNvPr>
+          <p:cNvSpPr>
+            <a:spLocks noGrp="1"/>
+          </p:cNvSpPr>
+          <p:nvPr>
+            <p:ph type="sldNum" sz="quarter" idx="12"/>
+          </p:nvPr>
+        </p:nvSpPr>
+        <p:spPr/>
+        <p:txBody>
+          <a:bodyPr/>
+          <a:lstStyle/>
+          <a:p>
+            <a:fld id="{10AB311C-6AC6-403F-922F-D49D21731A5D}" type="slidenum">
+              <a:rPr lang="ko-KR" altLang="en-US" smtClean="0"/>
+              <a:pPr/>
+              <a:t>3</a:t>
+            </a:fld>
+            <a:endParaRPr lang="ko-KR" altLang="en-US"/>
+          </a:p>
+        </p:txBody>
+      </p:sp>
+    </p:spTree>
+    <p:extLst>
+      <p:ext uri="{BB962C8B-B14F-4D97-AF65-F5344CB8AC3E}">
+        <p14:creationId xmlns:p14="http://schemas.microsoft.com/office/powerpoint/2010/main" val="1326372039"/>
+      </p:ext>
+    </p:extLst>
+  </p:cSld>
+  <p:clrMapOvr>
+    <a:masterClrMapping/>
+  </p:clrMapOvr>
+</p:sld>
+</file>
+
+<file path=ppt/slides/slide30.xml><?xml version="1.0" encoding="utf-8"?>
 <p:sld xmlns:a="http://schemas.openxmlformats.org/drawingml/2006/main" xmlns:r="http://schemas.openxmlformats.org/officeDocument/2006/relationships" xmlns:p="http://schemas.openxmlformats.org/presentationml/2006/main">
   <p:cSld>
     <p:bg>
@@ -14341,7 +15138,403 @@
 </p:sld>
 </file>
 
-<file path=ppt/slides/slide3.xml><?xml version="1.0" encoding="utf-8"?>
+<file path=ppt/slides/slide31.xml><?xml version="1.0" encoding="utf-8"?>
+<p:sld xmlns:a="http://schemas.openxmlformats.org/drawingml/2006/main" xmlns:r="http://schemas.openxmlformats.org/officeDocument/2006/relationships" xmlns:p="http://schemas.openxmlformats.org/presentationml/2006/main">
+  <p:cSld>
+    <p:spTree>
+      <p:nvGrpSpPr>
+        <p:cNvPr id="1" name=""/>
+        <p:cNvGrpSpPr/>
+        <p:nvPr/>
+      </p:nvGrpSpPr>
+      <p:grpSpPr>
+        <a:xfrm>
+          <a:off x="0" y="0"/>
+          <a:ext cx="0" cy="0"/>
+          <a:chOff x="0" y="0"/>
+          <a:chExt cx="0" cy="0"/>
+        </a:xfrm>
+      </p:grpSpPr>
+      <p:sp>
+        <p:nvSpPr>
+          <p:cNvPr id="2" name="제목 1">
+            <a:extLst>
+              <a:ext uri="{FF2B5EF4-FFF2-40B4-BE49-F238E27FC236}">
+                <a16:creationId xmlns:a16="http://schemas.microsoft.com/office/drawing/2014/main" id="{753EC37A-1969-4436-B1CE-E92D20C906DB}"/>
+              </a:ext>
+            </a:extLst>
+          </p:cNvPr>
+          <p:cNvSpPr>
+            <a:spLocks noGrp="1"/>
+          </p:cNvSpPr>
+          <p:nvPr>
+            <p:ph type="title"/>
+          </p:nvPr>
+        </p:nvSpPr>
+        <p:spPr/>
+        <p:txBody>
+          <a:bodyPr/>
+          <a:lstStyle/>
+          <a:p>
+            <a:r>
+              <a:rPr lang="ko-KR" altLang="en-US" dirty="0"/>
+              <a:t>각종 오류</a:t>
+            </a:r>
+          </a:p>
+        </p:txBody>
+      </p:sp>
+      <p:sp>
+        <p:nvSpPr>
+          <p:cNvPr id="6" name="슬라이드 번호 개체 틀 5">
+            <a:extLst>
+              <a:ext uri="{FF2B5EF4-FFF2-40B4-BE49-F238E27FC236}">
+                <a16:creationId xmlns:a16="http://schemas.microsoft.com/office/drawing/2014/main" id="{31E3676F-8F02-43B2-A6AA-822F8BA98BBC}"/>
+              </a:ext>
+            </a:extLst>
+          </p:cNvPr>
+          <p:cNvSpPr>
+            <a:spLocks noGrp="1"/>
+          </p:cNvSpPr>
+          <p:nvPr>
+            <p:ph type="sldNum" sz="quarter" idx="12"/>
+          </p:nvPr>
+        </p:nvSpPr>
+        <p:spPr/>
+        <p:txBody>
+          <a:bodyPr/>
+          <a:lstStyle/>
+          <a:p>
+            <a:fld id="{10AB311C-6AC6-403F-922F-D49D21731A5D}" type="slidenum">
+              <a:rPr lang="ko-KR" altLang="en-US" smtClean="0"/>
+              <a:pPr/>
+              <a:t>31</a:t>
+            </a:fld>
+            <a:endParaRPr lang="ko-KR" altLang="en-US"/>
+          </a:p>
+        </p:txBody>
+      </p:sp>
+      <p:pic>
+        <p:nvPicPr>
+          <p:cNvPr id="4" name="그림 3">
+            <a:extLst>
+              <a:ext uri="{FF2B5EF4-FFF2-40B4-BE49-F238E27FC236}">
+                <a16:creationId xmlns:a16="http://schemas.microsoft.com/office/drawing/2014/main" id="{93CCB412-7C75-4291-8847-01D7EC07B09A}"/>
+              </a:ext>
+            </a:extLst>
+          </p:cNvPr>
+          <p:cNvPicPr>
+            <a:picLocks noChangeAspect="1"/>
+          </p:cNvPicPr>
+          <p:nvPr/>
+        </p:nvPicPr>
+        <p:blipFill>
+          <a:blip r:embed="rId2"/>
+          <a:stretch>
+            <a:fillRect/>
+          </a:stretch>
+        </p:blipFill>
+        <p:spPr>
+          <a:xfrm>
+            <a:off x="768222" y="2026415"/>
+            <a:ext cx="3969901" cy="1711406"/>
+          </a:xfrm>
+          <a:prstGeom prst="rect">
+            <a:avLst/>
+          </a:prstGeom>
+          <a:ln>
+            <a:solidFill>
+              <a:schemeClr val="tx1"/>
+            </a:solidFill>
+          </a:ln>
+        </p:spPr>
+      </p:pic>
+      <p:pic>
+        <p:nvPicPr>
+          <p:cNvPr id="8" name="그림 7">
+            <a:extLst>
+              <a:ext uri="{FF2B5EF4-FFF2-40B4-BE49-F238E27FC236}">
+                <a16:creationId xmlns:a16="http://schemas.microsoft.com/office/drawing/2014/main" id="{A768BB65-D547-48F9-AFFA-063F41E3D842}"/>
+              </a:ext>
+            </a:extLst>
+          </p:cNvPr>
+          <p:cNvPicPr>
+            <a:picLocks noChangeAspect="1"/>
+          </p:cNvPicPr>
+          <p:nvPr/>
+        </p:nvPicPr>
+        <p:blipFill>
+          <a:blip r:embed="rId3"/>
+          <a:stretch>
+            <a:fillRect/>
+          </a:stretch>
+        </p:blipFill>
+        <p:spPr>
+          <a:xfrm>
+            <a:off x="768222" y="5397961"/>
+            <a:ext cx="4848902" cy="990738"/>
+          </a:xfrm>
+          <a:prstGeom prst="rect">
+            <a:avLst/>
+          </a:prstGeom>
+          <a:ln>
+            <a:solidFill>
+              <a:schemeClr val="tx1"/>
+            </a:solidFill>
+          </a:ln>
+        </p:spPr>
+      </p:pic>
+      <p:sp>
+        <p:nvSpPr>
+          <p:cNvPr id="9" name="TextBox 8">
+            <a:extLst>
+              <a:ext uri="{FF2B5EF4-FFF2-40B4-BE49-F238E27FC236}">
+                <a16:creationId xmlns:a16="http://schemas.microsoft.com/office/drawing/2014/main" id="{3DD89322-E462-4A1C-BAF8-9A66C9808994}"/>
+              </a:ext>
+            </a:extLst>
+          </p:cNvPr>
+          <p:cNvSpPr txBox="1"/>
+          <p:nvPr/>
+        </p:nvSpPr>
+        <p:spPr>
+          <a:xfrm>
+            <a:off x="768222" y="1512503"/>
+            <a:ext cx="1352678" cy="338554"/>
+          </a:xfrm>
+          <a:prstGeom prst="rect">
+            <a:avLst/>
+          </a:prstGeom>
+          <a:noFill/>
+        </p:spPr>
+        <p:txBody>
+          <a:bodyPr wrap="square" rtlCol="0">
+            <a:spAutoFit/>
+          </a:bodyPr>
+          <a:lstStyle/>
+          <a:p>
+            <a:pPr algn="l"/>
+            <a:r>
+              <a:rPr lang="en-US" altLang="ko-KR" sz="1600" b="1" dirty="0" err="1">
+                <a:latin typeface="+mn-ea"/>
+              </a:rPr>
+              <a:t>0x8007139F</a:t>
+            </a:r>
+            <a:endParaRPr lang="ko-KR" altLang="en-US" sz="1600" b="1" dirty="0">
+              <a:latin typeface="+mn-ea"/>
+            </a:endParaRPr>
+          </a:p>
+        </p:txBody>
+      </p:sp>
+      <p:sp>
+        <p:nvSpPr>
+          <p:cNvPr id="12" name="TextBox 11">
+            <a:extLst>
+              <a:ext uri="{FF2B5EF4-FFF2-40B4-BE49-F238E27FC236}">
+                <a16:creationId xmlns:a16="http://schemas.microsoft.com/office/drawing/2014/main" id="{6A7BD82C-C8FF-47DF-8E1D-D36B4AD8863D}"/>
+              </a:ext>
+            </a:extLst>
+          </p:cNvPr>
+          <p:cNvSpPr txBox="1"/>
+          <p:nvPr/>
+        </p:nvSpPr>
+        <p:spPr>
+          <a:xfrm>
+            <a:off x="768222" y="4054268"/>
+            <a:ext cx="1194558" cy="338554"/>
+          </a:xfrm>
+          <a:prstGeom prst="rect">
+            <a:avLst/>
+          </a:prstGeom>
+          <a:noFill/>
+        </p:spPr>
+        <p:txBody>
+          <a:bodyPr wrap="none" rtlCol="0">
+            <a:spAutoFit/>
+          </a:bodyPr>
+          <a:lstStyle/>
+          <a:p>
+            <a:pPr algn="l"/>
+            <a:r>
+              <a:rPr lang="ko-KR" altLang="en-US" sz="1600" dirty="0">
+                <a:latin typeface="+mn-ea"/>
+              </a:rPr>
+              <a:t>해결방법 </a:t>
+            </a:r>
+            <a:r>
+              <a:rPr lang="en-US" altLang="ko-KR" sz="1600" dirty="0">
+                <a:latin typeface="+mn-ea"/>
+              </a:rPr>
+              <a:t>: </a:t>
+            </a:r>
+          </a:p>
+        </p:txBody>
+      </p:sp>
+      <p:sp>
+        <p:nvSpPr>
+          <p:cNvPr id="21" name="TextBox 20">
+            <a:extLst>
+              <a:ext uri="{FF2B5EF4-FFF2-40B4-BE49-F238E27FC236}">
+                <a16:creationId xmlns:a16="http://schemas.microsoft.com/office/drawing/2014/main" id="{6C22236E-43D5-4636-998B-EFA1325E4058}"/>
+              </a:ext>
+            </a:extLst>
+          </p:cNvPr>
+          <p:cNvSpPr txBox="1"/>
+          <p:nvPr/>
+        </p:nvSpPr>
+        <p:spPr>
+          <a:xfrm>
+            <a:off x="641807" y="4644860"/>
+            <a:ext cx="5172698" cy="584775"/>
+          </a:xfrm>
+          <a:prstGeom prst="rect">
+            <a:avLst/>
+          </a:prstGeom>
+          <a:noFill/>
+        </p:spPr>
+        <p:txBody>
+          <a:bodyPr wrap="none" rtlCol="0">
+            <a:spAutoFit/>
+          </a:bodyPr>
+          <a:lstStyle/>
+          <a:p>
+            <a:pPr marL="342900" indent="-342900" algn="l">
+              <a:buAutoNum type="arabicPeriod"/>
+            </a:pPr>
+            <a:r>
+              <a:rPr lang="ko-KR" altLang="en-US" sz="1600" dirty="0">
+                <a:latin typeface="+mn-ea"/>
+              </a:rPr>
+              <a:t>제어판</a:t>
+            </a:r>
+            <a:r>
+              <a:rPr lang="en-US" altLang="ko-KR" sz="1600" dirty="0">
+                <a:latin typeface="+mn-ea"/>
+              </a:rPr>
+              <a:t> – </a:t>
+            </a:r>
+            <a:r>
+              <a:rPr lang="ko-KR" altLang="en-US" sz="1600" dirty="0">
+                <a:latin typeface="+mn-ea"/>
+              </a:rPr>
+              <a:t>프로그램 제거 </a:t>
+            </a:r>
+            <a:r>
+              <a:rPr lang="en-US" altLang="ko-KR" sz="1600" dirty="0">
+                <a:latin typeface="+mn-ea"/>
+              </a:rPr>
+              <a:t>–</a:t>
+            </a:r>
+            <a:r>
+              <a:rPr lang="ko-KR" altLang="en-US" sz="1600" dirty="0">
+                <a:latin typeface="+mn-ea"/>
+              </a:rPr>
+              <a:t> </a:t>
+            </a:r>
+            <a:r>
+              <a:rPr lang="en-US" altLang="ko-KR" sz="1600" dirty="0" err="1">
+                <a:latin typeface="+mn-ea"/>
+              </a:rPr>
+              <a:t>WebView2</a:t>
+            </a:r>
+            <a:r>
+              <a:rPr lang="en-US" altLang="ko-KR" sz="1600" dirty="0">
+                <a:latin typeface="+mn-ea"/>
+              </a:rPr>
+              <a:t> </a:t>
+            </a:r>
+            <a:r>
+              <a:rPr lang="ko-KR" altLang="en-US" sz="1600" dirty="0">
+                <a:latin typeface="+mn-ea"/>
+              </a:rPr>
+              <a:t>검색 후 삭제</a:t>
+            </a:r>
+            <a:endParaRPr lang="en-US" altLang="ko-KR" sz="1600" dirty="0">
+              <a:latin typeface="+mn-ea"/>
+            </a:endParaRPr>
+          </a:p>
+          <a:p>
+            <a:pPr marL="342900" indent="-342900" algn="l">
+              <a:buAutoNum type="arabicPeriod"/>
+            </a:pPr>
+            <a:r>
+              <a:rPr lang="ko-KR" altLang="en-US" sz="1600" dirty="0">
+                <a:latin typeface="+mn-ea"/>
+              </a:rPr>
+              <a:t>거상 스테이션 실행 후 </a:t>
+            </a:r>
+            <a:r>
+              <a:rPr lang="en-US" altLang="ko-KR" sz="1600" dirty="0" err="1">
+                <a:latin typeface="+mn-ea"/>
+              </a:rPr>
+              <a:t>WebView2</a:t>
+            </a:r>
+            <a:r>
+              <a:rPr lang="en-US" altLang="ko-KR" sz="1600" dirty="0">
+                <a:latin typeface="+mn-ea"/>
+              </a:rPr>
+              <a:t> </a:t>
+            </a:r>
+            <a:r>
+              <a:rPr lang="ko-KR" altLang="en-US" sz="1600" dirty="0">
+                <a:latin typeface="+mn-ea"/>
+              </a:rPr>
+              <a:t>런타임 재설치</a:t>
+            </a:r>
+            <a:endParaRPr lang="en-US" altLang="ko-KR" sz="1600" dirty="0">
+              <a:latin typeface="+mn-ea"/>
+            </a:endParaRPr>
+          </a:p>
+        </p:txBody>
+      </p:sp>
+      <p:pic>
+        <p:nvPicPr>
+          <p:cNvPr id="23" name="그림 22" descr="텍스트이(가) 표시된 사진&#10;&#10;자동 생성된 설명">
+            <a:extLst>
+              <a:ext uri="{FF2B5EF4-FFF2-40B4-BE49-F238E27FC236}">
+                <a16:creationId xmlns:a16="http://schemas.microsoft.com/office/drawing/2014/main" id="{E1D89307-F7C2-4265-A760-8BABEF497226}"/>
+              </a:ext>
+            </a:extLst>
+          </p:cNvPr>
+          <p:cNvPicPr>
+            <a:picLocks noChangeAspect="1"/>
+          </p:cNvPicPr>
+          <p:nvPr/>
+        </p:nvPicPr>
+        <p:blipFill>
+          <a:blip r:embed="rId4">
+            <a:extLst>
+              <a:ext uri="{28A0092B-C50C-407E-A947-70E740481C1C}">
+                <a14:useLocalDpi xmlns:a14="http://schemas.microsoft.com/office/drawing/2010/main" val="0"/>
+              </a:ext>
+            </a:extLst>
+          </a:blip>
+          <a:stretch>
+            <a:fillRect/>
+          </a:stretch>
+        </p:blipFill>
+        <p:spPr>
+          <a:xfrm>
+            <a:off x="768222" y="6556686"/>
+            <a:ext cx="2858452" cy="1228362"/>
+          </a:xfrm>
+          <a:prstGeom prst="rect">
+            <a:avLst/>
+          </a:prstGeom>
+        </p:spPr>
+      </p:pic>
+    </p:spTree>
+    <p:extLst>
+      <p:ext uri="{BB962C8B-B14F-4D97-AF65-F5344CB8AC3E}">
+        <p14:creationId xmlns:p14="http://schemas.microsoft.com/office/powerpoint/2010/main" val="2551756461"/>
+      </p:ext>
+    </p:extLst>
+  </p:cSld>
+  <p:clrMapOvr>
+    <a:masterClrMapping/>
+  </p:clrMapOvr>
+</p:sld>
+</file>
+
+<file path=ppt/slides/slide4.xml><?xml version="1.0" encoding="utf-8"?>
 <p:sld xmlns:a="http://schemas.openxmlformats.org/drawingml/2006/main" xmlns:r="http://schemas.openxmlformats.org/officeDocument/2006/relationships" xmlns:p="http://schemas.openxmlformats.org/presentationml/2006/main">
   <p:cSld>
     <p:bg>
@@ -14633,403 +15826,7 @@
 </p:sld>
 </file>
 
-<file path=ppt/slides/slide30.xml><?xml version="1.0" encoding="utf-8"?>
-<p:sld xmlns:a="http://schemas.openxmlformats.org/drawingml/2006/main" xmlns:r="http://schemas.openxmlformats.org/officeDocument/2006/relationships" xmlns:p="http://schemas.openxmlformats.org/presentationml/2006/main">
-  <p:cSld>
-    <p:spTree>
-      <p:nvGrpSpPr>
-        <p:cNvPr id="1" name=""/>
-        <p:cNvGrpSpPr/>
-        <p:nvPr/>
-      </p:nvGrpSpPr>
-      <p:grpSpPr>
-        <a:xfrm>
-          <a:off x="0" y="0"/>
-          <a:ext cx="0" cy="0"/>
-          <a:chOff x="0" y="0"/>
-          <a:chExt cx="0" cy="0"/>
-        </a:xfrm>
-      </p:grpSpPr>
-      <p:sp>
-        <p:nvSpPr>
-          <p:cNvPr id="2" name="제목 1">
-            <a:extLst>
-              <a:ext uri="{FF2B5EF4-FFF2-40B4-BE49-F238E27FC236}">
-                <a16:creationId xmlns:a16="http://schemas.microsoft.com/office/drawing/2014/main" id="{753EC37A-1969-4436-B1CE-E92D20C906DB}"/>
-              </a:ext>
-            </a:extLst>
-          </p:cNvPr>
-          <p:cNvSpPr>
-            <a:spLocks noGrp="1"/>
-          </p:cNvSpPr>
-          <p:nvPr>
-            <p:ph type="title"/>
-          </p:nvPr>
-        </p:nvSpPr>
-        <p:spPr/>
-        <p:txBody>
-          <a:bodyPr/>
-          <a:lstStyle/>
-          <a:p>
-            <a:r>
-              <a:rPr lang="ko-KR" altLang="en-US" dirty="0"/>
-              <a:t>각종 오류</a:t>
-            </a:r>
-          </a:p>
-        </p:txBody>
-      </p:sp>
-      <p:sp>
-        <p:nvSpPr>
-          <p:cNvPr id="6" name="슬라이드 번호 개체 틀 5">
-            <a:extLst>
-              <a:ext uri="{FF2B5EF4-FFF2-40B4-BE49-F238E27FC236}">
-                <a16:creationId xmlns:a16="http://schemas.microsoft.com/office/drawing/2014/main" id="{31E3676F-8F02-43B2-A6AA-822F8BA98BBC}"/>
-              </a:ext>
-            </a:extLst>
-          </p:cNvPr>
-          <p:cNvSpPr>
-            <a:spLocks noGrp="1"/>
-          </p:cNvSpPr>
-          <p:nvPr>
-            <p:ph type="sldNum" sz="quarter" idx="12"/>
-          </p:nvPr>
-        </p:nvSpPr>
-        <p:spPr/>
-        <p:txBody>
-          <a:bodyPr/>
-          <a:lstStyle/>
-          <a:p>
-            <a:fld id="{10AB311C-6AC6-403F-922F-D49D21731A5D}" type="slidenum">
-              <a:rPr lang="ko-KR" altLang="en-US" smtClean="0"/>
-              <a:pPr/>
-              <a:t>30</a:t>
-            </a:fld>
-            <a:endParaRPr lang="ko-KR" altLang="en-US"/>
-          </a:p>
-        </p:txBody>
-      </p:sp>
-      <p:pic>
-        <p:nvPicPr>
-          <p:cNvPr id="4" name="그림 3">
-            <a:extLst>
-              <a:ext uri="{FF2B5EF4-FFF2-40B4-BE49-F238E27FC236}">
-                <a16:creationId xmlns:a16="http://schemas.microsoft.com/office/drawing/2014/main" id="{93CCB412-7C75-4291-8847-01D7EC07B09A}"/>
-              </a:ext>
-            </a:extLst>
-          </p:cNvPr>
-          <p:cNvPicPr>
-            <a:picLocks noChangeAspect="1"/>
-          </p:cNvPicPr>
-          <p:nvPr/>
-        </p:nvPicPr>
-        <p:blipFill>
-          <a:blip r:embed="rId2"/>
-          <a:stretch>
-            <a:fillRect/>
-          </a:stretch>
-        </p:blipFill>
-        <p:spPr>
-          <a:xfrm>
-            <a:off x="768222" y="2026415"/>
-            <a:ext cx="3969901" cy="1711406"/>
-          </a:xfrm>
-          <a:prstGeom prst="rect">
-            <a:avLst/>
-          </a:prstGeom>
-          <a:ln>
-            <a:solidFill>
-              <a:schemeClr val="tx1"/>
-            </a:solidFill>
-          </a:ln>
-        </p:spPr>
-      </p:pic>
-      <p:pic>
-        <p:nvPicPr>
-          <p:cNvPr id="8" name="그림 7">
-            <a:extLst>
-              <a:ext uri="{FF2B5EF4-FFF2-40B4-BE49-F238E27FC236}">
-                <a16:creationId xmlns:a16="http://schemas.microsoft.com/office/drawing/2014/main" id="{A768BB65-D547-48F9-AFFA-063F41E3D842}"/>
-              </a:ext>
-            </a:extLst>
-          </p:cNvPr>
-          <p:cNvPicPr>
-            <a:picLocks noChangeAspect="1"/>
-          </p:cNvPicPr>
-          <p:nvPr/>
-        </p:nvPicPr>
-        <p:blipFill>
-          <a:blip r:embed="rId3"/>
-          <a:stretch>
-            <a:fillRect/>
-          </a:stretch>
-        </p:blipFill>
-        <p:spPr>
-          <a:xfrm>
-            <a:off x="768222" y="5397961"/>
-            <a:ext cx="4848902" cy="990738"/>
-          </a:xfrm>
-          <a:prstGeom prst="rect">
-            <a:avLst/>
-          </a:prstGeom>
-          <a:ln>
-            <a:solidFill>
-              <a:schemeClr val="tx1"/>
-            </a:solidFill>
-          </a:ln>
-        </p:spPr>
-      </p:pic>
-      <p:sp>
-        <p:nvSpPr>
-          <p:cNvPr id="9" name="TextBox 8">
-            <a:extLst>
-              <a:ext uri="{FF2B5EF4-FFF2-40B4-BE49-F238E27FC236}">
-                <a16:creationId xmlns:a16="http://schemas.microsoft.com/office/drawing/2014/main" id="{3DD89322-E462-4A1C-BAF8-9A66C9808994}"/>
-              </a:ext>
-            </a:extLst>
-          </p:cNvPr>
-          <p:cNvSpPr txBox="1"/>
-          <p:nvPr/>
-        </p:nvSpPr>
-        <p:spPr>
-          <a:xfrm>
-            <a:off x="768222" y="1512503"/>
-            <a:ext cx="1352678" cy="338554"/>
-          </a:xfrm>
-          <a:prstGeom prst="rect">
-            <a:avLst/>
-          </a:prstGeom>
-          <a:noFill/>
-        </p:spPr>
-        <p:txBody>
-          <a:bodyPr wrap="square" rtlCol="0">
-            <a:spAutoFit/>
-          </a:bodyPr>
-          <a:lstStyle/>
-          <a:p>
-            <a:pPr algn="l"/>
-            <a:r>
-              <a:rPr lang="en-US" altLang="ko-KR" sz="1600" b="1" dirty="0" err="1">
-                <a:latin typeface="+mn-ea"/>
-              </a:rPr>
-              <a:t>0x8007139F</a:t>
-            </a:r>
-            <a:endParaRPr lang="ko-KR" altLang="en-US" sz="1600" b="1" dirty="0">
-              <a:latin typeface="+mn-ea"/>
-            </a:endParaRPr>
-          </a:p>
-        </p:txBody>
-      </p:sp>
-      <p:sp>
-        <p:nvSpPr>
-          <p:cNvPr id="12" name="TextBox 11">
-            <a:extLst>
-              <a:ext uri="{FF2B5EF4-FFF2-40B4-BE49-F238E27FC236}">
-                <a16:creationId xmlns:a16="http://schemas.microsoft.com/office/drawing/2014/main" id="{6A7BD82C-C8FF-47DF-8E1D-D36B4AD8863D}"/>
-              </a:ext>
-            </a:extLst>
-          </p:cNvPr>
-          <p:cNvSpPr txBox="1"/>
-          <p:nvPr/>
-        </p:nvSpPr>
-        <p:spPr>
-          <a:xfrm>
-            <a:off x="768222" y="4054268"/>
-            <a:ext cx="1194558" cy="338554"/>
-          </a:xfrm>
-          <a:prstGeom prst="rect">
-            <a:avLst/>
-          </a:prstGeom>
-          <a:noFill/>
-        </p:spPr>
-        <p:txBody>
-          <a:bodyPr wrap="none" rtlCol="0">
-            <a:spAutoFit/>
-          </a:bodyPr>
-          <a:lstStyle/>
-          <a:p>
-            <a:pPr algn="l"/>
-            <a:r>
-              <a:rPr lang="ko-KR" altLang="en-US" sz="1600" dirty="0">
-                <a:latin typeface="+mn-ea"/>
-              </a:rPr>
-              <a:t>해결방법 </a:t>
-            </a:r>
-            <a:r>
-              <a:rPr lang="en-US" altLang="ko-KR" sz="1600" dirty="0">
-                <a:latin typeface="+mn-ea"/>
-              </a:rPr>
-              <a:t>: </a:t>
-            </a:r>
-          </a:p>
-        </p:txBody>
-      </p:sp>
-      <p:sp>
-        <p:nvSpPr>
-          <p:cNvPr id="21" name="TextBox 20">
-            <a:extLst>
-              <a:ext uri="{FF2B5EF4-FFF2-40B4-BE49-F238E27FC236}">
-                <a16:creationId xmlns:a16="http://schemas.microsoft.com/office/drawing/2014/main" id="{6C22236E-43D5-4636-998B-EFA1325E4058}"/>
-              </a:ext>
-            </a:extLst>
-          </p:cNvPr>
-          <p:cNvSpPr txBox="1"/>
-          <p:nvPr/>
-        </p:nvSpPr>
-        <p:spPr>
-          <a:xfrm>
-            <a:off x="641807" y="4644860"/>
-            <a:ext cx="5172698" cy="584775"/>
-          </a:xfrm>
-          <a:prstGeom prst="rect">
-            <a:avLst/>
-          </a:prstGeom>
-          <a:noFill/>
-        </p:spPr>
-        <p:txBody>
-          <a:bodyPr wrap="none" rtlCol="0">
-            <a:spAutoFit/>
-          </a:bodyPr>
-          <a:lstStyle/>
-          <a:p>
-            <a:pPr marL="342900" indent="-342900" algn="l">
-              <a:buAutoNum type="arabicPeriod"/>
-            </a:pPr>
-            <a:r>
-              <a:rPr lang="ko-KR" altLang="en-US" sz="1600" dirty="0">
-                <a:latin typeface="+mn-ea"/>
-              </a:rPr>
-              <a:t>제어판</a:t>
-            </a:r>
-            <a:r>
-              <a:rPr lang="en-US" altLang="ko-KR" sz="1600" dirty="0">
-                <a:latin typeface="+mn-ea"/>
-              </a:rPr>
-              <a:t> – </a:t>
-            </a:r>
-            <a:r>
-              <a:rPr lang="ko-KR" altLang="en-US" sz="1600" dirty="0">
-                <a:latin typeface="+mn-ea"/>
-              </a:rPr>
-              <a:t>프로그램 제거 </a:t>
-            </a:r>
-            <a:r>
-              <a:rPr lang="en-US" altLang="ko-KR" sz="1600" dirty="0">
-                <a:latin typeface="+mn-ea"/>
-              </a:rPr>
-              <a:t>–</a:t>
-            </a:r>
-            <a:r>
-              <a:rPr lang="ko-KR" altLang="en-US" sz="1600" dirty="0">
-                <a:latin typeface="+mn-ea"/>
-              </a:rPr>
-              <a:t> </a:t>
-            </a:r>
-            <a:r>
-              <a:rPr lang="en-US" altLang="ko-KR" sz="1600" dirty="0" err="1">
-                <a:latin typeface="+mn-ea"/>
-              </a:rPr>
-              <a:t>WebView2</a:t>
-            </a:r>
-            <a:r>
-              <a:rPr lang="en-US" altLang="ko-KR" sz="1600" dirty="0">
-                <a:latin typeface="+mn-ea"/>
-              </a:rPr>
-              <a:t> </a:t>
-            </a:r>
-            <a:r>
-              <a:rPr lang="ko-KR" altLang="en-US" sz="1600" dirty="0">
-                <a:latin typeface="+mn-ea"/>
-              </a:rPr>
-              <a:t>검색 후 삭제</a:t>
-            </a:r>
-            <a:endParaRPr lang="en-US" altLang="ko-KR" sz="1600" dirty="0">
-              <a:latin typeface="+mn-ea"/>
-            </a:endParaRPr>
-          </a:p>
-          <a:p>
-            <a:pPr marL="342900" indent="-342900" algn="l">
-              <a:buAutoNum type="arabicPeriod"/>
-            </a:pPr>
-            <a:r>
-              <a:rPr lang="ko-KR" altLang="en-US" sz="1600" dirty="0">
-                <a:latin typeface="+mn-ea"/>
-              </a:rPr>
-              <a:t>거상 스테이션 실행 후 </a:t>
-            </a:r>
-            <a:r>
-              <a:rPr lang="en-US" altLang="ko-KR" sz="1600" dirty="0" err="1">
-                <a:latin typeface="+mn-ea"/>
-              </a:rPr>
-              <a:t>WebView2</a:t>
-            </a:r>
-            <a:r>
-              <a:rPr lang="en-US" altLang="ko-KR" sz="1600" dirty="0">
-                <a:latin typeface="+mn-ea"/>
-              </a:rPr>
-              <a:t> </a:t>
-            </a:r>
-            <a:r>
-              <a:rPr lang="ko-KR" altLang="en-US" sz="1600" dirty="0">
-                <a:latin typeface="+mn-ea"/>
-              </a:rPr>
-              <a:t>런타임 재설치</a:t>
-            </a:r>
-            <a:endParaRPr lang="en-US" altLang="ko-KR" sz="1600" dirty="0">
-              <a:latin typeface="+mn-ea"/>
-            </a:endParaRPr>
-          </a:p>
-        </p:txBody>
-      </p:sp>
-      <p:pic>
-        <p:nvPicPr>
-          <p:cNvPr id="23" name="그림 22" descr="텍스트이(가) 표시된 사진&#10;&#10;자동 생성된 설명">
-            <a:extLst>
-              <a:ext uri="{FF2B5EF4-FFF2-40B4-BE49-F238E27FC236}">
-                <a16:creationId xmlns:a16="http://schemas.microsoft.com/office/drawing/2014/main" id="{E1D89307-F7C2-4265-A760-8BABEF497226}"/>
-              </a:ext>
-            </a:extLst>
-          </p:cNvPr>
-          <p:cNvPicPr>
-            <a:picLocks noChangeAspect="1"/>
-          </p:cNvPicPr>
-          <p:nvPr/>
-        </p:nvPicPr>
-        <p:blipFill>
-          <a:blip r:embed="rId4">
-            <a:extLst>
-              <a:ext uri="{28A0092B-C50C-407E-A947-70E740481C1C}">
-                <a14:useLocalDpi xmlns:a14="http://schemas.microsoft.com/office/drawing/2010/main" val="0"/>
-              </a:ext>
-            </a:extLst>
-          </a:blip>
-          <a:stretch>
-            <a:fillRect/>
-          </a:stretch>
-        </p:blipFill>
-        <p:spPr>
-          <a:xfrm>
-            <a:off x="768222" y="6556686"/>
-            <a:ext cx="2858452" cy="1228362"/>
-          </a:xfrm>
-          <a:prstGeom prst="rect">
-            <a:avLst/>
-          </a:prstGeom>
-        </p:spPr>
-      </p:pic>
-    </p:spTree>
-    <p:extLst>
-      <p:ext uri="{BB962C8B-B14F-4D97-AF65-F5344CB8AC3E}">
-        <p14:creationId xmlns:p14="http://schemas.microsoft.com/office/powerpoint/2010/main" val="2551756461"/>
-      </p:ext>
-    </p:extLst>
-  </p:cSld>
-  <p:clrMapOvr>
-    <a:masterClrMapping/>
-  </p:clrMapOvr>
-</p:sld>
-</file>
-
-<file path=ppt/slides/slide4.xml><?xml version="1.0" encoding="utf-8"?>
+<file path=ppt/slides/slide5.xml><?xml version="1.0" encoding="utf-8"?>
 <p:sld xmlns:a="http://schemas.openxmlformats.org/drawingml/2006/main" xmlns:r="http://schemas.openxmlformats.org/officeDocument/2006/relationships" xmlns:p="http://schemas.openxmlformats.org/presentationml/2006/main">
   <p:cSld>
     <p:spTree>
@@ -15555,8 +16352,8 @@
         </p:nvSpPr>
         <p:spPr>
           <a:xfrm>
-            <a:off x="3026451" y="6323022"/>
-            <a:ext cx="3283271" cy="830997"/>
+            <a:off x="2916384" y="6317964"/>
+            <a:ext cx="3693640" cy="830997"/>
           </a:xfrm>
           <a:prstGeom prst="rect">
             <a:avLst/>
@@ -15619,46 +16416,34 @@
               <a:rPr lang="en-US" altLang="ko-KR" sz="1600" dirty="0">
                 <a:latin typeface="+mn-ea"/>
               </a:rPr>
-              <a:t>-&gt; “Download </a:t>
-            </a:r>
-            <a:r>
-              <a:rPr lang="en-US" altLang="ko-KR" sz="1600" dirty="0" err="1">
-                <a:latin typeface="+mn-ea"/>
-              </a:rPr>
-              <a:t>x32</a:t>
-            </a:r>
+              <a:t>-&gt; “Download x86”</a:t>
+            </a:r>
+          </a:p>
+          <a:p>
+            <a:pPr algn="l"/>
             <a:r>
               <a:rPr lang="en-US" altLang="ko-KR" sz="1600" dirty="0">
                 <a:latin typeface="+mn-ea"/>
               </a:rPr>
-              <a:t>”</a:t>
-            </a:r>
-          </a:p>
-          <a:p>
-            <a:pPr algn="l"/>
+              <a:t>(</a:t>
+            </a:r>
+            <a:r>
+              <a:rPr lang="ko-KR" altLang="en-US" sz="1600" dirty="0">
+                <a:latin typeface="+mn-ea"/>
+              </a:rPr>
+              <a:t>윈도우</a:t>
+            </a:r>
             <a:r>
               <a:rPr lang="en-US" altLang="ko-KR" sz="1600" dirty="0">
                 <a:latin typeface="+mn-ea"/>
               </a:rPr>
-              <a:t>(</a:t>
-            </a:r>
-            <a:r>
-              <a:rPr lang="ko-KR" altLang="en-US" sz="1600" dirty="0">
-                <a:latin typeface="+mn-ea"/>
-              </a:rPr>
-              <a:t>윈도우</a:t>
-            </a:r>
-            <a:r>
-              <a:rPr lang="en-US" altLang="ko-KR" sz="1600" dirty="0">
-                <a:latin typeface="+mn-ea"/>
-              </a:rPr>
               <a:t>10 </a:t>
             </a:r>
             <a:r>
               <a:rPr lang="ko-KR" altLang="en-US" sz="1600" dirty="0">
                 <a:latin typeface="+mn-ea"/>
               </a:rPr>
-              <a:t>이상 시 </a:t>
+              <a:t>이상은 보통 </a:t>
             </a:r>
             <a:r>
               <a:rPr lang="en-US" altLang="ko-KR" sz="1600" dirty="0">
@@ -15730,7 +16515,7 @@
         </p:nvSpPr>
         <p:spPr>
           <a:xfrm>
-            <a:off x="4936229" y="8592211"/>
+            <a:off x="5063232" y="8609145"/>
             <a:ext cx="425379" cy="243841"/>
           </a:xfrm>
           <a:prstGeom prst="rect">
@@ -15791,9 +16576,65 @@
           <a:p>
             <a:fld id="{10AB311C-6AC6-403F-922F-D49D21731A5D}" type="slidenum">
               <a:rPr lang="ko-KR" altLang="en-US" smtClean="0"/>
-              <a:t>4</a:t>
+              <a:t>5</a:t>
             </a:fld>
             <a:endParaRPr lang="ko-KR" altLang="en-US" dirty="0"/>
+          </a:p>
+        </p:txBody>
+      </p:sp>
+      <p:sp>
+        <p:nvSpPr>
+          <p:cNvPr id="5" name="TextBox 4">
+            <a:extLst>
+              <a:ext uri="{FF2B5EF4-FFF2-40B4-BE49-F238E27FC236}">
+                <a16:creationId xmlns:a16="http://schemas.microsoft.com/office/drawing/2014/main" id="{C05A9D53-1975-8748-372C-79843E478AD4}"/>
+              </a:ext>
+            </a:extLst>
+          </p:cNvPr>
+          <p:cNvSpPr txBox="1"/>
+          <p:nvPr/>
+        </p:nvSpPr>
+        <p:spPr>
+          <a:xfrm>
+            <a:off x="453825" y="7148961"/>
+            <a:ext cx="2366353" cy="338554"/>
+          </a:xfrm>
+          <a:prstGeom prst="rect">
+            <a:avLst/>
+          </a:prstGeom>
+          <a:noFill/>
+        </p:spPr>
+        <p:txBody>
+          <a:bodyPr wrap="none" rtlCol="0">
+            <a:spAutoFit/>
+          </a:bodyPr>
+          <a:lstStyle/>
+          <a:p>
+            <a:pPr algn="l"/>
+            <a:r>
+              <a:rPr lang="ko-KR" altLang="en-US" sz="1600" b="1" dirty="0">
+                <a:solidFill>
+                  <a:srgbClr val="FF0000"/>
+                </a:solidFill>
+                <a:latin typeface="+mn-ea"/>
+              </a:rPr>
+              <a:t>사진 잘 보고 다운로드</a:t>
+            </a:r>
+            <a:r>
+              <a:rPr lang="en-US" altLang="ko-KR" sz="1600" b="1" dirty="0">
+                <a:solidFill>
+                  <a:srgbClr val="FF0000"/>
+                </a:solidFill>
+                <a:latin typeface="+mn-ea"/>
+              </a:rPr>
+              <a:t>!!</a:t>
+            </a:r>
+            <a:endParaRPr lang="ko-KR" altLang="en-US" sz="1600" b="1" dirty="0">
+              <a:solidFill>
+                <a:srgbClr val="FF0000"/>
+              </a:solidFill>
+              <a:latin typeface="+mn-ea"/>
+            </a:endParaRPr>
           </a:p>
         </p:txBody>
       </p:sp>
@@ -15810,7 +16651,7 @@
 </p:sld>
 </file>
 
-<file path=ppt/slides/slide5.xml><?xml version="1.0" encoding="utf-8"?>
+<file path=ppt/slides/slide6.xml><?xml version="1.0" encoding="utf-8"?>
 <p:sld xmlns:a="http://schemas.openxmlformats.org/drawingml/2006/main" xmlns:r="http://schemas.openxmlformats.org/officeDocument/2006/relationships" xmlns:p="http://schemas.openxmlformats.org/presentationml/2006/main">
   <p:cSld>
     <p:spTree>
@@ -16387,7 +17228,7 @@
             <a:fld id="{10AB311C-6AC6-403F-922F-D49D21731A5D}" type="slidenum">
               <a:rPr lang="ko-KR" altLang="en-US" smtClean="0"/>
               <a:pPr/>
-              <a:t>5</a:t>
+              <a:t>6</a:t>
             </a:fld>
             <a:endParaRPr lang="ko-KR" altLang="en-US"/>
           </a:p>
@@ -16536,7 +17377,7 @@
 </p:sld>
 </file>
 
-<file path=ppt/slides/slide6.xml><?xml version="1.0" encoding="utf-8"?>
+<file path=ppt/slides/slide7.xml><?xml version="1.0" encoding="utf-8"?>
 <p:sld xmlns:a="http://schemas.openxmlformats.org/drawingml/2006/main" xmlns:r="http://schemas.openxmlformats.org/officeDocument/2006/relationships" xmlns:p="http://schemas.openxmlformats.org/presentationml/2006/main">
   <p:cSld>
     <p:spTree>
@@ -16769,7 +17610,7 @@
             <a:fld id="{10AB311C-6AC6-403F-922F-D49D21731A5D}" type="slidenum">
               <a:rPr lang="ko-KR" altLang="en-US" smtClean="0"/>
               <a:pPr/>
-              <a:t>6</a:t>
+              <a:t>7</a:t>
             </a:fld>
             <a:endParaRPr lang="ko-KR" altLang="en-US"/>
           </a:p>
@@ -17144,7 +17985,7 @@
 </p:sld>
 </file>
 
-<file path=ppt/slides/slide7.xml><?xml version="1.0" encoding="utf-8"?>
+<file path=ppt/slides/slide8.xml><?xml version="1.0" encoding="utf-8"?>
 <p:sld xmlns:a="http://schemas.openxmlformats.org/drawingml/2006/main" xmlns:r="http://schemas.openxmlformats.org/officeDocument/2006/relationships" xmlns:p="http://schemas.openxmlformats.org/presentationml/2006/main">
   <p:cSld>
     <p:bg>
@@ -17389,7 +18230,7 @@
 </p:sld>
 </file>
 
-<file path=ppt/slides/slide8.xml><?xml version="1.0" encoding="utf-8"?>
+<file path=ppt/slides/slide9.xml><?xml version="1.0" encoding="utf-8"?>
 <p:sld xmlns:a="http://schemas.openxmlformats.org/drawingml/2006/main" xmlns:r="http://schemas.openxmlformats.org/officeDocument/2006/relationships" xmlns:p="http://schemas.openxmlformats.org/presentationml/2006/main">
   <p:cSld>
     <p:spTree>
@@ -17450,7 +18291,7 @@
         </p:nvGrpSpPr>
         <p:grpSpPr>
           <a:xfrm>
-            <a:off x="484171" y="1442195"/>
+            <a:off x="391038" y="1442195"/>
             <a:ext cx="2880000" cy="2258823"/>
             <a:chOff x="484171" y="1259315"/>
             <a:chExt cx="3886742" cy="3048425"/>
@@ -17602,7 +18443,7 @@
         </p:blipFill>
         <p:spPr>
           <a:xfrm>
-            <a:off x="471488" y="4128050"/>
+            <a:off x="378355" y="4128050"/>
             <a:ext cx="1541448" cy="1414856"/>
           </a:xfrm>
           <a:prstGeom prst="rect">
@@ -17639,7 +18480,7 @@
             <a:fld id="{10AB311C-6AC6-403F-922F-D49D21731A5D}" type="slidenum">
               <a:rPr lang="ko-KR" altLang="en-US" smtClean="0"/>
               <a:pPr/>
-              <a:t>8</a:t>
+              <a:t>9</a:t>
             </a:fld>
             <a:endParaRPr lang="ko-KR" altLang="en-US"/>
           </a:p>
@@ -17661,7 +18502,7 @@
         </p:nvGrpSpPr>
         <p:grpSpPr>
           <a:xfrm>
-            <a:off x="471488" y="6028752"/>
+            <a:off x="378355" y="6028752"/>
             <a:ext cx="2880000" cy="2258823"/>
             <a:chOff x="1120935" y="2442107"/>
             <a:chExt cx="3886742" cy="3048425"/>
@@ -17805,8 +18646,8 @@
         </p:nvSpPr>
         <p:spPr>
           <a:xfrm>
-            <a:off x="3593175" y="2050506"/>
-            <a:ext cx="2935419" cy="1077218"/>
+            <a:off x="3500042" y="2050506"/>
+            <a:ext cx="2220480" cy="1077218"/>
           </a:xfrm>
           <a:prstGeom prst="rect">
             <a:avLst/>
@@ -17845,7 +18686,19 @@
               <a:rPr lang="ko-KR" altLang="en-US" sz="1600" dirty="0">
                 <a:latin typeface="+mn-ea"/>
               </a:rPr>
-              <a:t>검색보상 수령 및 게임실행 시</a:t>
+              <a:t>게임실행 시</a:t>
+            </a:r>
+            <a:r>
+              <a:rPr lang="en-US" altLang="ko-KR" sz="1600" dirty="0">
+                <a:latin typeface="+mn-ea"/>
+              </a:rPr>
+              <a:t> </a:t>
+            </a:r>
+            <a:r>
+              <a:rPr lang="ko-KR" altLang="en-US" sz="1600" dirty="0">
+                <a:latin typeface="+mn-ea"/>
+              </a:rPr>
+              <a:t>사용될 </a:t>
             </a:r>
             <a:endParaRPr lang="en-US" altLang="ko-KR" sz="1600" dirty="0">
               <a:latin typeface="+mn-ea"/>
@@ -17857,7 +18710,7 @@
               <a:rPr lang="ko-KR" altLang="en-US" sz="1600" dirty="0">
                 <a:latin typeface="+mn-ea"/>
               </a:rPr>
-              <a:t>사용될 계정을 선택합니다</a:t>
+              <a:t>계정을 선택합니다</a:t>
             </a:r>
             <a:r>
               <a:rPr lang="en-US" altLang="ko-KR" sz="1600" dirty="0">
@@ -17882,8 +18735,8 @@
         </p:nvSpPr>
         <p:spPr>
           <a:xfrm>
-            <a:off x="2343978" y="4186864"/>
-            <a:ext cx="3429000" cy="1323439"/>
+            <a:off x="2263528" y="4550155"/>
+            <a:ext cx="4116089" cy="584775"/>
           </a:xfrm>
           <a:prstGeom prst="rect">
             <a:avLst/>
@@ -17913,19 +18766,7 @@
               <a:rPr lang="ko-KR" altLang="en-US" sz="1600" dirty="0">
                 <a:latin typeface="+mn-ea"/>
               </a:rPr>
-              <a:t>최초 실행 시 추가한 계정이 목록에</a:t>
-            </a:r>
-            <a:endParaRPr lang="en-US" altLang="ko-KR" sz="1600" dirty="0">
-              <a:latin typeface="+mn-ea"/>
-            </a:endParaRPr>
-          </a:p>
-          <a:p>
-            <a:pPr algn="l"/>
-            <a:r>
-              <a:rPr lang="ko-KR" altLang="en-US" sz="1600" dirty="0">
-                <a:latin typeface="+mn-ea"/>
-              </a:rPr>
-              <a:t>다음과 같이 표시됩니다</a:t>
+              <a:t>계정들이 목록에 다음과 같이 표시됩니다</a:t>
             </a:r>
             <a:r>
               <a:rPr lang="en-US" altLang="ko-KR" sz="1600" dirty="0">
@@ -17933,36 +18774,6 @@
               </a:rPr>
               <a:t>.</a:t>
             </a:r>
-          </a:p>
-          <a:p>
-            <a:pPr algn="l"/>
-            <a:endParaRPr lang="en-US" altLang="ko-KR" sz="1600" dirty="0">
-              <a:latin typeface="+mn-ea"/>
-            </a:endParaRPr>
-          </a:p>
-          <a:p>
-            <a:pPr algn="l"/>
-            <a:r>
-              <a:rPr lang="en-US" altLang="ko-KR" sz="1600" dirty="0">
-                <a:latin typeface="+mn-ea"/>
-              </a:rPr>
-              <a:t>1,2,3</a:t>
-            </a:r>
-            <a:r>
-              <a:rPr lang="ko-KR" altLang="en-US" sz="1600" dirty="0">
-                <a:latin typeface="+mn-ea"/>
-              </a:rPr>
-              <a:t>클 각각 선택 가능합니다</a:t>
-            </a:r>
-            <a:r>
-              <a:rPr lang="en-US" altLang="ko-KR" sz="1600" dirty="0">
-                <a:latin typeface="+mn-ea"/>
-              </a:rPr>
-              <a:t>.</a:t>
-            </a:r>
-            <a:endParaRPr lang="ko-KR" altLang="en-US" sz="1600" dirty="0">
-              <a:latin typeface="+mn-ea"/>
-            </a:endParaRPr>
           </a:p>
         </p:txBody>
       </p:sp>
@@ -17982,7 +18793,7 @@
         </p:nvCxnSpPr>
         <p:spPr>
           <a:xfrm rot="5400000">
-            <a:off x="889245" y="3439955"/>
+            <a:off x="796112" y="3439955"/>
             <a:ext cx="1041062" cy="335128"/>
           </a:xfrm>
           <a:prstGeom prst="bentConnector3">
@@ -18024,8 +18835,8 @@
         </p:nvSpPr>
         <p:spPr>
           <a:xfrm>
-            <a:off x="3506514" y="6318802"/>
-            <a:ext cx="3212739" cy="1815882"/>
+            <a:off x="3599647" y="6143139"/>
+            <a:ext cx="2702984" cy="2062103"/>
           </a:xfrm>
           <a:prstGeom prst="rect">
             <a:avLst/>
@@ -18040,16 +18851,10 @@
           <a:p>
             <a:pPr algn="l"/>
             <a:r>
-              <a:rPr lang="ko-KR" altLang="en-US" sz="1600" dirty="0" err="1">
-                <a:latin typeface="+mn-ea"/>
-              </a:rPr>
-              <a:t>프리셋</a:t>
-            </a:r>
-            <a:r>
-              <a:rPr lang="ko-KR" altLang="en-US" sz="1600" dirty="0">
-                <a:latin typeface="+mn-ea"/>
-              </a:rPr>
-              <a:t> 선택 버튼입니다</a:t>
+              <a:rPr lang="ko-KR" altLang="en-US" sz="1600" dirty="0">
+                <a:latin typeface="+mn-ea"/>
+              </a:rPr>
+              <a:t>계정 설정 선택 버튼입니다</a:t>
             </a:r>
             <a:r>
               <a:rPr lang="en-US" altLang="ko-KR" sz="1600" dirty="0">
@@ -18070,19 +18875,7 @@
               <a:rPr lang="ko-KR" altLang="en-US" sz="1600" dirty="0">
                 <a:latin typeface="+mn-ea"/>
               </a:rPr>
-              <a:t>각 </a:t>
-            </a:r>
-            <a:r>
-              <a:rPr lang="ko-KR" altLang="en-US" sz="1600" dirty="0" err="1">
-                <a:latin typeface="+mn-ea"/>
-              </a:rPr>
-              <a:t>프리셋마다</a:t>
-            </a:r>
-            <a:r>
-              <a:rPr lang="ko-KR" altLang="en-US" sz="1600" dirty="0">
-                <a:latin typeface="+mn-ea"/>
-              </a:rPr>
-              <a:t> 계정선택 박스의</a:t>
+              <a:t>각 설정마다 계정 설정이</a:t>
             </a:r>
             <a:endParaRPr lang="en-US" altLang="ko-KR" sz="1600" dirty="0">
               <a:latin typeface="+mn-ea"/>
@@ -18094,19 +18887,7 @@
               <a:rPr lang="ko-KR" altLang="en-US" sz="1600" dirty="0">
                 <a:latin typeface="+mn-ea"/>
               </a:rPr>
-              <a:t>정보를</a:t>
-            </a:r>
-            <a:r>
-              <a:rPr lang="en-US" altLang="ko-KR" sz="1600" dirty="0">
-                <a:latin typeface="+mn-ea"/>
-              </a:rPr>
-              <a:t> </a:t>
-            </a:r>
-            <a:r>
-              <a:rPr lang="ko-KR" altLang="en-US" sz="1600" dirty="0">
-                <a:latin typeface="+mn-ea"/>
-              </a:rPr>
-              <a:t>저장 가능합니다</a:t>
+              <a:t>저장되어 있습니다</a:t>
             </a:r>
             <a:r>
               <a:rPr lang="en-US" altLang="ko-KR" sz="1600" dirty="0">
@@ -18127,7 +18908,7 @@
               <a:rPr lang="ko-KR" altLang="en-US" sz="1600" dirty="0">
                 <a:latin typeface="+mn-ea"/>
               </a:rPr>
-              <a:t>생시 운영 등을 위해 많은 계정을</a:t>
+              <a:t>생시 운영 등을 이유로 </a:t>
             </a:r>
             <a:endParaRPr lang="en-US" altLang="ko-KR" sz="1600" dirty="0">
               <a:latin typeface="+mn-ea"/>
@@ -18139,7 +18920,31 @@
               <a:rPr lang="ko-KR" altLang="en-US" sz="1600" dirty="0">
                 <a:latin typeface="+mn-ea"/>
               </a:rPr>
-              <a:t>보유하신 분들에게 유용합니다</a:t>
+              <a:t>많은 계정을</a:t>
+            </a:r>
+            <a:r>
+              <a:rPr lang="en-US" altLang="ko-KR" sz="1600" dirty="0">
+                <a:latin typeface="+mn-ea"/>
+              </a:rPr>
+              <a:t> </a:t>
+            </a:r>
+            <a:r>
+              <a:rPr lang="ko-KR" altLang="en-US" sz="1600" dirty="0">
+                <a:latin typeface="+mn-ea"/>
+              </a:rPr>
+              <a:t>보유하신</a:t>
+            </a:r>
+            <a:endParaRPr lang="en-US" altLang="ko-KR" sz="1600" dirty="0">
+              <a:latin typeface="+mn-ea"/>
+            </a:endParaRPr>
+          </a:p>
+          <a:p>
+            <a:pPr algn="l"/>
+            <a:r>
+              <a:rPr lang="ko-KR" altLang="en-US" sz="1600" dirty="0">
+                <a:latin typeface="+mn-ea"/>
+              </a:rPr>
+              <a:t>분들에게 유용합니다</a:t>
             </a:r>
             <a:r>
               <a:rPr lang="en-US" altLang="ko-KR" sz="1600" dirty="0">
@@ -18154,707 +18959,6 @@
     <p:extLst>
       <p:ext uri="{BB962C8B-B14F-4D97-AF65-F5344CB8AC3E}">
         <p14:creationId xmlns:p14="http://schemas.microsoft.com/office/powerpoint/2010/main" val="1817378142"/>
-      </p:ext>
-    </p:extLst>
-  </p:cSld>
-  <p:clrMapOvr>
-    <a:masterClrMapping/>
-  </p:clrMapOvr>
-</p:sld>
-</file>
-
-<file path=ppt/slides/slide9.xml><?xml version="1.0" encoding="utf-8"?>
-<p:sld xmlns:a="http://schemas.openxmlformats.org/drawingml/2006/main" xmlns:r="http://schemas.openxmlformats.org/officeDocument/2006/relationships" xmlns:p="http://schemas.openxmlformats.org/presentationml/2006/main">
-  <p:cSld>
-    <p:spTree>
-      <p:nvGrpSpPr>
-        <p:cNvPr id="1" name=""/>
-        <p:cNvGrpSpPr/>
-        <p:nvPr/>
-      </p:nvGrpSpPr>
-      <p:grpSpPr>
-        <a:xfrm>
-          <a:off x="0" y="0"/>
-          <a:ext cx="0" cy="0"/>
-          <a:chOff x="0" y="0"/>
-          <a:chExt cx="0" cy="0"/>
-        </a:xfrm>
-      </p:grpSpPr>
-      <p:sp>
-        <p:nvSpPr>
-          <p:cNvPr id="2" name="제목 1">
-            <a:extLst>
-              <a:ext uri="{FF2B5EF4-FFF2-40B4-BE49-F238E27FC236}">
-                <a16:creationId xmlns:a16="http://schemas.microsoft.com/office/drawing/2014/main" id="{753EC37A-1969-4436-B1CE-E92D20C906DB}"/>
-              </a:ext>
-            </a:extLst>
-          </p:cNvPr>
-          <p:cNvSpPr>
-            <a:spLocks noGrp="1"/>
-          </p:cNvSpPr>
-          <p:nvPr>
-            <p:ph type="title"/>
-          </p:nvPr>
-        </p:nvSpPr>
-        <p:spPr/>
-        <p:txBody>
-          <a:bodyPr/>
-          <a:lstStyle/>
-          <a:p>
-            <a:r>
-              <a:rPr lang="ko-KR" altLang="en-US" dirty="0"/>
-              <a:t>메인 화면</a:t>
-            </a:r>
-          </a:p>
-        </p:txBody>
-      </p:sp>
-      <p:grpSp>
-        <p:nvGrpSpPr>
-          <p:cNvPr id="9" name="그룹 8">
-            <a:extLst>
-              <a:ext uri="{FF2B5EF4-FFF2-40B4-BE49-F238E27FC236}">
-                <a16:creationId xmlns:a16="http://schemas.microsoft.com/office/drawing/2014/main" id="{725C99E0-74B7-4971-B160-8A2E428181BE}"/>
-              </a:ext>
-            </a:extLst>
-          </p:cNvPr>
-          <p:cNvGrpSpPr>
-            <a:grpSpLocks noChangeAspect="1"/>
-          </p:cNvGrpSpPr>
-          <p:nvPr/>
-        </p:nvGrpSpPr>
-        <p:grpSpPr>
-          <a:xfrm>
-            <a:off x="486728" y="1436589"/>
-            <a:ext cx="2880000" cy="2258823"/>
-            <a:chOff x="1120935" y="5939680"/>
-            <a:chExt cx="3886742" cy="3048425"/>
-          </a:xfrm>
-        </p:grpSpPr>
-        <p:pic>
-          <p:nvPicPr>
-            <p:cNvPr id="15" name="그림 14">
-              <a:extLst>
-                <a:ext uri="{FF2B5EF4-FFF2-40B4-BE49-F238E27FC236}">
-                  <a16:creationId xmlns:a16="http://schemas.microsoft.com/office/drawing/2014/main" id="{4C54CF48-C5CE-4874-AC69-ECA8E33C88BF}"/>
-                </a:ext>
-              </a:extLst>
-            </p:cNvPr>
-            <p:cNvPicPr>
-              <a:picLocks noChangeAspect="1"/>
-            </p:cNvPicPr>
-            <p:nvPr/>
-          </p:nvPicPr>
-          <p:blipFill>
-            <a:blip r:embed="rId2">
-              <a:extLst>
-                <a:ext uri="{BEBA8EAE-BF5A-486C-A8C5-ECC9F3942E4B}">
-                  <a14:imgProps xmlns:a14="http://schemas.microsoft.com/office/drawing/2010/main">
-                    <a14:imgLayer r:embed="rId3">
-                      <a14:imgEffect>
-                        <a14:artisticBlur radius="4"/>
-                      </a14:imgEffect>
-                    </a14:imgLayer>
-                  </a14:imgProps>
-                </a:ext>
-              </a:extLst>
-            </a:blip>
-            <a:stretch>
-              <a:fillRect/>
-            </a:stretch>
-          </p:blipFill>
-          <p:spPr>
-            <a:xfrm>
-              <a:off x="1120935" y="5939680"/>
-              <a:ext cx="3886742" cy="3048425"/>
-            </a:xfrm>
-            <a:prstGeom prst="rect">
-              <a:avLst/>
-            </a:prstGeom>
-          </p:spPr>
-        </p:pic>
-        <p:pic>
-          <p:nvPicPr>
-            <p:cNvPr id="18" name="그림 17">
-              <a:extLst>
-                <a:ext uri="{FF2B5EF4-FFF2-40B4-BE49-F238E27FC236}">
-                  <a16:creationId xmlns:a16="http://schemas.microsoft.com/office/drawing/2014/main" id="{E160CCB8-7DFA-41AE-8FFF-817E64ED37C4}"/>
-                </a:ext>
-              </a:extLst>
-            </p:cNvPr>
-            <p:cNvPicPr>
-              <a:picLocks noChangeAspect="1"/>
-            </p:cNvPicPr>
-            <p:nvPr/>
-          </p:nvPicPr>
-          <p:blipFill rotWithShape="1">
-            <a:blip r:embed="rId4"/>
-            <a:srcRect l="59415" t="33637" r="26893" b="27270"/>
-            <a:stretch/>
-          </p:blipFill>
-          <p:spPr>
-            <a:xfrm>
-              <a:off x="3430249" y="6965077"/>
-              <a:ext cx="532151" cy="1191719"/>
-            </a:xfrm>
-            <a:prstGeom prst="rect">
-              <a:avLst/>
-            </a:prstGeom>
-          </p:spPr>
-        </p:pic>
-        <p:sp>
-          <p:nvSpPr>
-            <p:cNvPr id="19" name="직사각형 18">
-              <a:extLst>
-                <a:ext uri="{FF2B5EF4-FFF2-40B4-BE49-F238E27FC236}">
-                  <a16:creationId xmlns:a16="http://schemas.microsoft.com/office/drawing/2014/main" id="{DB032E1F-EB02-4238-B987-613B7F7B5F0B}"/>
-                </a:ext>
-              </a:extLst>
-            </p:cNvPr>
-            <p:cNvSpPr/>
-            <p:nvPr/>
-          </p:nvSpPr>
-          <p:spPr>
-            <a:xfrm>
-              <a:off x="3430249" y="6965077"/>
-              <a:ext cx="532151" cy="1191719"/>
-            </a:xfrm>
-            <a:prstGeom prst="rect">
-              <a:avLst/>
-            </a:prstGeom>
-            <a:noFill/>
-            <a:ln>
-              <a:solidFill>
-                <a:srgbClr val="FF0000"/>
-              </a:solidFill>
-            </a:ln>
-          </p:spPr>
-          <p:style>
-            <a:lnRef idx="2">
-              <a:schemeClr val="accent1">
-                <a:shade val="50000"/>
-              </a:schemeClr>
-            </a:lnRef>
-            <a:fillRef idx="1">
-              <a:schemeClr val="accent1"/>
-            </a:fillRef>
-            <a:effectRef idx="0">
-              <a:schemeClr val="accent1"/>
-            </a:effectRef>
-            <a:fontRef idx="minor">
-              <a:schemeClr val="lt1"/>
-            </a:fontRef>
-          </p:style>
-          <p:txBody>
-            <a:bodyPr rtlCol="0" anchor="ctr"/>
-            <a:lstStyle/>
-            <a:p>
-              <a:pPr algn="ctr"/>
-              <a:endParaRPr lang="ko-KR" altLang="en-US"/>
-            </a:p>
-          </p:txBody>
-        </p:sp>
-      </p:grpSp>
-      <p:pic>
-        <p:nvPicPr>
-          <p:cNvPr id="4" name="그림 3">
-            <a:extLst>
-              <a:ext uri="{FF2B5EF4-FFF2-40B4-BE49-F238E27FC236}">
-                <a16:creationId xmlns:a16="http://schemas.microsoft.com/office/drawing/2014/main" id="{AE27D4D8-E590-4333-B753-0432D11C0B9E}"/>
-              </a:ext>
-            </a:extLst>
-          </p:cNvPr>
-          <p:cNvPicPr>
-            <a:picLocks noChangeAspect="1"/>
-          </p:cNvPicPr>
-          <p:nvPr/>
-        </p:nvPicPr>
-        <p:blipFill>
-          <a:blip r:embed="rId5"/>
-          <a:stretch>
-            <a:fillRect/>
-          </a:stretch>
-        </p:blipFill>
-        <p:spPr>
-          <a:xfrm>
-            <a:off x="4430070" y="7101840"/>
-            <a:ext cx="1295628" cy="1001852"/>
-          </a:xfrm>
-          <a:prstGeom prst="rect">
-            <a:avLst/>
-          </a:prstGeom>
-        </p:spPr>
-      </p:pic>
-      <p:pic>
-        <p:nvPicPr>
-          <p:cNvPr id="6" name="그림 5">
-            <a:extLst>
-              <a:ext uri="{FF2B5EF4-FFF2-40B4-BE49-F238E27FC236}">
-                <a16:creationId xmlns:a16="http://schemas.microsoft.com/office/drawing/2014/main" id="{4925B0EB-9975-4515-B448-879253CF2402}"/>
-              </a:ext>
-            </a:extLst>
-          </p:cNvPr>
-          <p:cNvPicPr>
-            <a:picLocks noChangeAspect="1"/>
-          </p:cNvPicPr>
-          <p:nvPr/>
-        </p:nvPicPr>
-        <p:blipFill>
-          <a:blip r:embed="rId6"/>
-          <a:stretch>
-            <a:fillRect/>
-          </a:stretch>
-        </p:blipFill>
-        <p:spPr>
-          <a:xfrm>
-            <a:off x="486728" y="4122351"/>
-            <a:ext cx="1924319" cy="1295581"/>
-          </a:xfrm>
-          <a:prstGeom prst="rect">
-            <a:avLst/>
-          </a:prstGeom>
-        </p:spPr>
-      </p:pic>
-      <p:sp>
-        <p:nvSpPr>
-          <p:cNvPr id="3" name="슬라이드 번호 개체 틀 2">
-            <a:extLst>
-              <a:ext uri="{FF2B5EF4-FFF2-40B4-BE49-F238E27FC236}">
-                <a16:creationId xmlns:a16="http://schemas.microsoft.com/office/drawing/2014/main" id="{7DADC9E1-069D-4FE2-AAAA-55B7F3DBC768}"/>
-              </a:ext>
-            </a:extLst>
-          </p:cNvPr>
-          <p:cNvSpPr>
-            <a:spLocks noGrp="1"/>
-          </p:cNvSpPr>
-          <p:nvPr>
-            <p:ph type="sldNum" sz="quarter" idx="12"/>
-          </p:nvPr>
-        </p:nvSpPr>
-        <p:spPr/>
-        <p:txBody>
-          <a:bodyPr/>
-          <a:lstStyle/>
-          <a:p>
-            <a:fld id="{10AB311C-6AC6-403F-922F-D49D21731A5D}" type="slidenum">
-              <a:rPr lang="ko-KR" altLang="en-US" smtClean="0"/>
-              <a:pPr/>
-              <a:t>9</a:t>
-            </a:fld>
-            <a:endParaRPr lang="ko-KR" altLang="en-US"/>
-          </a:p>
-        </p:txBody>
-      </p:sp>
-      <p:sp>
-        <p:nvSpPr>
-          <p:cNvPr id="10" name="TextBox 9">
-            <a:extLst>
-              <a:ext uri="{FF2B5EF4-FFF2-40B4-BE49-F238E27FC236}">
-                <a16:creationId xmlns:a16="http://schemas.microsoft.com/office/drawing/2014/main" id="{6A133461-F633-4B93-81FE-006CCCE30F7C}"/>
-              </a:ext>
-            </a:extLst>
-          </p:cNvPr>
-          <p:cNvSpPr txBox="1"/>
-          <p:nvPr/>
-        </p:nvSpPr>
-        <p:spPr>
-          <a:xfrm>
-            <a:off x="3521208" y="1991943"/>
-            <a:ext cx="3113353" cy="1077218"/>
-          </a:xfrm>
-          <a:prstGeom prst="rect">
-            <a:avLst/>
-          </a:prstGeom>
-          <a:noFill/>
-        </p:spPr>
-        <p:txBody>
-          <a:bodyPr wrap="none" rtlCol="0">
-            <a:spAutoFit/>
-          </a:bodyPr>
-          <a:lstStyle/>
-          <a:p>
-            <a:pPr algn="l"/>
-            <a:r>
-              <a:rPr lang="ko-KR" altLang="en-US" sz="1600" dirty="0">
-                <a:latin typeface="+mn-ea"/>
-              </a:rPr>
-              <a:t>로그인 스위치입니다</a:t>
-            </a:r>
-            <a:r>
-              <a:rPr lang="en-US" altLang="ko-KR" sz="1600" dirty="0">
-                <a:latin typeface="+mn-ea"/>
-              </a:rPr>
-              <a:t>.</a:t>
-            </a:r>
-          </a:p>
-          <a:p>
-            <a:pPr algn="l"/>
-            <a:endParaRPr lang="en-US" altLang="ko-KR" sz="1600" dirty="0">
-              <a:latin typeface="+mn-ea"/>
-            </a:endParaRPr>
-          </a:p>
-          <a:p>
-            <a:pPr algn="l"/>
-            <a:r>
-              <a:rPr lang="ko-KR" altLang="en-US" sz="1600" dirty="0">
-                <a:latin typeface="+mn-ea"/>
-              </a:rPr>
-              <a:t>클릭 시</a:t>
-            </a:r>
-            <a:r>
-              <a:rPr lang="en-US" altLang="ko-KR" sz="1600" dirty="0">
-                <a:latin typeface="+mn-ea"/>
-              </a:rPr>
-              <a:t>, </a:t>
-            </a:r>
-            <a:r>
-              <a:rPr lang="ko-KR" altLang="en-US" sz="1600" dirty="0">
-                <a:latin typeface="+mn-ea"/>
-              </a:rPr>
-              <a:t>계정 선택 박스에서</a:t>
-            </a:r>
-            <a:endParaRPr lang="en-US" altLang="ko-KR" sz="1600" dirty="0">
-              <a:latin typeface="+mn-ea"/>
-            </a:endParaRPr>
-          </a:p>
-          <a:p>
-            <a:pPr algn="l"/>
-            <a:r>
-              <a:rPr lang="ko-KR" altLang="en-US" sz="1600" dirty="0">
-                <a:latin typeface="+mn-ea"/>
-              </a:rPr>
-              <a:t>선택한 계정으로 로그인 합니다</a:t>
-            </a:r>
-            <a:r>
-              <a:rPr lang="en-US" altLang="ko-KR" sz="1600" dirty="0">
-                <a:latin typeface="+mn-ea"/>
-              </a:rPr>
-              <a:t>.</a:t>
-            </a:r>
-          </a:p>
-        </p:txBody>
-      </p:sp>
-      <p:sp>
-        <p:nvSpPr>
-          <p:cNvPr id="16" name="TextBox 15">
-            <a:extLst>
-              <a:ext uri="{FF2B5EF4-FFF2-40B4-BE49-F238E27FC236}">
-                <a16:creationId xmlns:a16="http://schemas.microsoft.com/office/drawing/2014/main" id="{5D42AA89-CC67-44AB-A0C2-914EC903682F}"/>
-              </a:ext>
-            </a:extLst>
-          </p:cNvPr>
-          <p:cNvSpPr txBox="1"/>
-          <p:nvPr/>
-        </p:nvSpPr>
-        <p:spPr>
-          <a:xfrm>
-            <a:off x="2657475" y="4477753"/>
-            <a:ext cx="3837589" cy="584775"/>
-          </a:xfrm>
-          <a:prstGeom prst="rect">
-            <a:avLst/>
-          </a:prstGeom>
-          <a:noFill/>
-        </p:spPr>
-        <p:txBody>
-          <a:bodyPr wrap="none" rtlCol="0">
-            <a:spAutoFit/>
-          </a:bodyPr>
-          <a:lstStyle/>
-          <a:p>
-            <a:pPr algn="l"/>
-            <a:r>
-              <a:rPr lang="ko-KR" altLang="en-US" sz="1600" dirty="0">
-                <a:latin typeface="+mn-ea"/>
-              </a:rPr>
-              <a:t>만약 </a:t>
-            </a:r>
-            <a:r>
-              <a:rPr lang="en-US" altLang="ko-KR" sz="1600" dirty="0">
-                <a:latin typeface="+mn-ea"/>
-              </a:rPr>
-              <a:t>OTP</a:t>
-            </a:r>
-            <a:r>
-              <a:rPr lang="ko-KR" altLang="en-US" sz="1600" dirty="0">
-                <a:latin typeface="+mn-ea"/>
-              </a:rPr>
-              <a:t>가 설정되어 있다면</a:t>
-            </a:r>
-            <a:r>
-              <a:rPr lang="en-US" altLang="ko-KR" sz="1600" dirty="0">
-                <a:latin typeface="+mn-ea"/>
-              </a:rPr>
-              <a:t>,</a:t>
-            </a:r>
-          </a:p>
-          <a:p>
-            <a:pPr algn="l"/>
-            <a:r>
-              <a:rPr lang="ko-KR" altLang="en-US" sz="1600" dirty="0">
-                <a:latin typeface="+mn-ea"/>
-              </a:rPr>
-              <a:t>다음과 같이 </a:t>
-            </a:r>
-            <a:r>
-              <a:rPr lang="en-US" altLang="ko-KR" sz="1600" dirty="0">
-                <a:latin typeface="+mn-ea"/>
-              </a:rPr>
-              <a:t>OTP</a:t>
-            </a:r>
-            <a:r>
-              <a:rPr lang="ko-KR" altLang="en-US" sz="1600" dirty="0">
-                <a:latin typeface="+mn-ea"/>
-              </a:rPr>
-              <a:t>를 입력할 수 있습니다</a:t>
-            </a:r>
-            <a:r>
-              <a:rPr lang="en-US" altLang="ko-KR" sz="1600" dirty="0">
-                <a:latin typeface="+mn-ea"/>
-              </a:rPr>
-              <a:t>.</a:t>
-            </a:r>
-          </a:p>
-        </p:txBody>
-      </p:sp>
-      <p:grpSp>
-        <p:nvGrpSpPr>
-          <p:cNvPr id="17" name="그룹 16">
-            <a:extLst>
-              <a:ext uri="{FF2B5EF4-FFF2-40B4-BE49-F238E27FC236}">
-                <a16:creationId xmlns:a16="http://schemas.microsoft.com/office/drawing/2014/main" id="{36589989-5F5A-4310-877C-CF624C13E356}"/>
-              </a:ext>
-            </a:extLst>
-          </p:cNvPr>
-          <p:cNvGrpSpPr>
-            <a:grpSpLocks noChangeAspect="1"/>
-          </p:cNvGrpSpPr>
-          <p:nvPr/>
-        </p:nvGrpSpPr>
-        <p:grpSpPr>
-          <a:xfrm>
-            <a:off x="471488" y="5844869"/>
-            <a:ext cx="2880000" cy="2258823"/>
-            <a:chOff x="1326072" y="2370519"/>
-            <a:chExt cx="3886742" cy="3048425"/>
-          </a:xfrm>
-        </p:grpSpPr>
-        <p:pic>
-          <p:nvPicPr>
-            <p:cNvPr id="20" name="그림 19">
-              <a:extLst>
-                <a:ext uri="{FF2B5EF4-FFF2-40B4-BE49-F238E27FC236}">
-                  <a16:creationId xmlns:a16="http://schemas.microsoft.com/office/drawing/2014/main" id="{F6A2658F-DD6F-4AF1-9C13-9C08B357F5E6}"/>
-                </a:ext>
-              </a:extLst>
-            </p:cNvPr>
-            <p:cNvPicPr>
-              <a:picLocks noChangeAspect="1"/>
-            </p:cNvPicPr>
-            <p:nvPr/>
-          </p:nvPicPr>
-          <p:blipFill>
-            <a:blip r:embed="rId2">
-              <a:extLst>
-                <a:ext uri="{BEBA8EAE-BF5A-486C-A8C5-ECC9F3942E4B}">
-                  <a14:imgProps xmlns:a14="http://schemas.microsoft.com/office/drawing/2010/main">
-                    <a14:imgLayer r:embed="rId7">
-                      <a14:imgEffect>
-                        <a14:artisticBlur radius="4"/>
-                      </a14:imgEffect>
-                    </a14:imgLayer>
-                  </a14:imgProps>
-                </a:ext>
-              </a:extLst>
-            </a:blip>
-            <a:stretch>
-              <a:fillRect/>
-            </a:stretch>
-          </p:blipFill>
-          <p:spPr>
-            <a:xfrm>
-              <a:off x="1326072" y="2370519"/>
-              <a:ext cx="3886742" cy="3048425"/>
-            </a:xfrm>
-            <a:prstGeom prst="rect">
-              <a:avLst/>
-            </a:prstGeom>
-          </p:spPr>
-        </p:pic>
-        <p:pic>
-          <p:nvPicPr>
-            <p:cNvPr id="21" name="그림 20">
-              <a:extLst>
-                <a:ext uri="{FF2B5EF4-FFF2-40B4-BE49-F238E27FC236}">
-                  <a16:creationId xmlns:a16="http://schemas.microsoft.com/office/drawing/2014/main" id="{DFE22B88-5EB6-4177-A8AC-B6EF427C8BE9}"/>
-                </a:ext>
-              </a:extLst>
-            </p:cNvPr>
-            <p:cNvPicPr>
-              <a:picLocks noChangeAspect="1"/>
-            </p:cNvPicPr>
-            <p:nvPr/>
-          </p:nvPicPr>
-          <p:blipFill rotWithShape="1">
-            <a:blip r:embed="rId4"/>
-            <a:srcRect l="73678" t="33124" r="15137" b="26800"/>
-            <a:stretch/>
-          </p:blipFill>
-          <p:spPr>
-            <a:xfrm>
-              <a:off x="4189750" y="3380282"/>
-              <a:ext cx="434715" cy="1221698"/>
-            </a:xfrm>
-            <a:prstGeom prst="rect">
-              <a:avLst/>
-            </a:prstGeom>
-          </p:spPr>
-        </p:pic>
-        <p:sp>
-          <p:nvSpPr>
-            <p:cNvPr id="22" name="직사각형 21">
-              <a:extLst>
-                <a:ext uri="{FF2B5EF4-FFF2-40B4-BE49-F238E27FC236}">
-                  <a16:creationId xmlns:a16="http://schemas.microsoft.com/office/drawing/2014/main" id="{28D13F7C-D3E0-4A46-92F4-8EEEB208BADD}"/>
-                </a:ext>
-              </a:extLst>
-            </p:cNvPr>
-            <p:cNvSpPr/>
-            <p:nvPr/>
-          </p:nvSpPr>
-          <p:spPr>
-            <a:xfrm>
-              <a:off x="4189750" y="3382740"/>
-              <a:ext cx="434715" cy="1219240"/>
-            </a:xfrm>
-            <a:prstGeom prst="rect">
-              <a:avLst/>
-            </a:prstGeom>
-            <a:noFill/>
-            <a:ln>
-              <a:solidFill>
-                <a:srgbClr val="FF0000"/>
-              </a:solidFill>
-            </a:ln>
-          </p:spPr>
-          <p:style>
-            <a:lnRef idx="2">
-              <a:schemeClr val="accent1">
-                <a:shade val="50000"/>
-              </a:schemeClr>
-            </a:lnRef>
-            <a:fillRef idx="1">
-              <a:schemeClr val="accent1"/>
-            </a:fillRef>
-            <a:effectRef idx="0">
-              <a:schemeClr val="accent1"/>
-            </a:effectRef>
-            <a:fontRef idx="minor">
-              <a:schemeClr val="lt1"/>
-            </a:fontRef>
-          </p:style>
-          <p:txBody>
-            <a:bodyPr rtlCol="0" anchor="ctr"/>
-            <a:lstStyle/>
-            <a:p>
-              <a:pPr algn="ctr"/>
-              <a:endParaRPr lang="ko-KR" altLang="en-US"/>
-            </a:p>
-          </p:txBody>
-        </p:sp>
-      </p:grpSp>
-      <p:sp>
-        <p:nvSpPr>
-          <p:cNvPr id="23" name="TextBox 22">
-            <a:extLst>
-              <a:ext uri="{FF2B5EF4-FFF2-40B4-BE49-F238E27FC236}">
-                <a16:creationId xmlns:a16="http://schemas.microsoft.com/office/drawing/2014/main" id="{CAFD8A57-9AF2-442E-B99C-375B851F9C27}"/>
-              </a:ext>
-            </a:extLst>
-          </p:cNvPr>
-          <p:cNvSpPr txBox="1"/>
-          <p:nvPr/>
-        </p:nvSpPr>
-        <p:spPr>
-          <a:xfrm>
-            <a:off x="3619446" y="5844869"/>
-            <a:ext cx="2836033" cy="1077218"/>
-          </a:xfrm>
-          <a:prstGeom prst="rect">
-            <a:avLst/>
-          </a:prstGeom>
-          <a:noFill/>
-        </p:spPr>
-        <p:txBody>
-          <a:bodyPr wrap="none" rtlCol="0">
-            <a:spAutoFit/>
-          </a:bodyPr>
-          <a:lstStyle/>
-          <a:p>
-            <a:pPr algn="l"/>
-            <a:r>
-              <a:rPr lang="ko-KR" altLang="en-US" sz="1600" dirty="0">
-                <a:latin typeface="+mn-ea"/>
-              </a:rPr>
-              <a:t>검색 보상 수령 버튼입니다</a:t>
-            </a:r>
-            <a:r>
-              <a:rPr lang="en-US" altLang="ko-KR" sz="1600" dirty="0">
-                <a:latin typeface="+mn-ea"/>
-              </a:rPr>
-              <a:t>.</a:t>
-            </a:r>
-          </a:p>
-          <a:p>
-            <a:pPr algn="l"/>
-            <a:endParaRPr lang="en-US" altLang="ko-KR" sz="1600" dirty="0">
-              <a:latin typeface="+mn-ea"/>
-            </a:endParaRPr>
-          </a:p>
-          <a:p>
-            <a:pPr algn="l"/>
-            <a:r>
-              <a:rPr lang="ko-KR" altLang="en-US" sz="1600" dirty="0">
-                <a:latin typeface="+mn-ea"/>
-              </a:rPr>
-              <a:t>사통팔달</a:t>
-            </a:r>
-            <a:r>
-              <a:rPr lang="en-US" altLang="ko-KR" sz="1600" dirty="0">
-                <a:latin typeface="+mn-ea"/>
-              </a:rPr>
-              <a:t>, </a:t>
-            </a:r>
-            <a:r>
-              <a:rPr lang="ko-KR" altLang="en-US" sz="1600" dirty="0">
-                <a:latin typeface="+mn-ea"/>
-              </a:rPr>
-              <a:t>대전귀환서 등</a:t>
-            </a:r>
-            <a:endParaRPr lang="en-US" altLang="ko-KR" sz="1600" dirty="0">
-              <a:latin typeface="+mn-ea"/>
-            </a:endParaRPr>
-          </a:p>
-          <a:p>
-            <a:pPr algn="l"/>
-            <a:r>
-              <a:rPr lang="ko-KR" altLang="en-US" sz="1600" dirty="0">
-                <a:latin typeface="+mn-ea"/>
-              </a:rPr>
-              <a:t>검색보상을 수령 가능합니다</a:t>
-            </a:r>
-            <a:r>
-              <a:rPr lang="en-US" altLang="ko-KR" sz="1600" dirty="0">
-                <a:latin typeface="+mn-ea"/>
-              </a:rPr>
-              <a:t>.</a:t>
-            </a:r>
-          </a:p>
-        </p:txBody>
-      </p:sp>
-    </p:spTree>
-    <p:extLst>
-      <p:ext uri="{BB962C8B-B14F-4D97-AF65-F5344CB8AC3E}">
-        <p14:creationId xmlns:p14="http://schemas.microsoft.com/office/powerpoint/2010/main" val="2304879305"/>
       </p:ext>
     </p:extLst>
   </p:cSld>
